--- a/AWS-Lambda.pptx
+++ b/AWS-Lambda.pptx
@@ -6,7 +6,7 @@
     <p:sldMasterId id="2147483699" r:id="rId5"/>
   </p:sldMasterIdLst>
   <p:notesMasterIdLst>
-    <p:notesMasterId r:id="rId32"/>
+    <p:notesMasterId r:id="rId38"/>
   </p:notesMasterIdLst>
   <p:sldIdLst>
     <p:sldId id="546" r:id="rId6"/>
@@ -20,21 +20,27 @@
     <p:sldId id="593" r:id="rId14"/>
     <p:sldId id="594" r:id="rId15"/>
     <p:sldId id="596" r:id="rId16"/>
-    <p:sldId id="597" r:id="rId17"/>
-    <p:sldId id="599" r:id="rId18"/>
-    <p:sldId id="600" r:id="rId19"/>
-    <p:sldId id="587" r:id="rId20"/>
-    <p:sldId id="586" r:id="rId21"/>
-    <p:sldId id="588" r:id="rId22"/>
-    <p:sldId id="590" r:id="rId23"/>
-    <p:sldId id="601" r:id="rId24"/>
-    <p:sldId id="603" r:id="rId25"/>
-    <p:sldId id="585" r:id="rId26"/>
-    <p:sldId id="605" r:id="rId27"/>
-    <p:sldId id="602" r:id="rId28"/>
-    <p:sldId id="604" r:id="rId29"/>
-    <p:sldId id="584" r:id="rId30"/>
-    <p:sldId id="470" r:id="rId31"/>
+    <p:sldId id="608" r:id="rId17"/>
+    <p:sldId id="597" r:id="rId18"/>
+    <p:sldId id="610" r:id="rId19"/>
+    <p:sldId id="611" r:id="rId20"/>
+    <p:sldId id="599" r:id="rId21"/>
+    <p:sldId id="600" r:id="rId22"/>
+    <p:sldId id="587" r:id="rId23"/>
+    <p:sldId id="586" r:id="rId24"/>
+    <p:sldId id="588" r:id="rId25"/>
+    <p:sldId id="590" r:id="rId26"/>
+    <p:sldId id="609" r:id="rId27"/>
+    <p:sldId id="606" r:id="rId28"/>
+    <p:sldId id="607" r:id="rId29"/>
+    <p:sldId id="601" r:id="rId30"/>
+    <p:sldId id="603" r:id="rId31"/>
+    <p:sldId id="585" r:id="rId32"/>
+    <p:sldId id="605" r:id="rId33"/>
+    <p:sldId id="602" r:id="rId34"/>
+    <p:sldId id="604" r:id="rId35"/>
+    <p:sldId id="584" r:id="rId36"/>
+    <p:sldId id="470" r:id="rId37"/>
   </p:sldIdLst>
   <p:sldSz cx="9144000" cy="5143500" type="screen16x9"/>
   <p:notesSz cx="7099300" cy="10234613"/>
@@ -135,7 +141,7 @@
   </p:defaultTextStyle>
   <p:extLst>
     <p:ext uri="{EFAFB233-063F-42B5-8137-9DF3F51BA10A}">
-      <p15:sldGuideLst xmlns:p15="http://schemas.microsoft.com/office/powerpoint/2012/main" xmlns="">
+      <p15:sldGuideLst xmlns="" xmlns:p15="http://schemas.microsoft.com/office/powerpoint/2012/main">
         <p15:guide id="1" orient="horz" pos="1620">
           <p15:clr>
             <a:srgbClr val="A4A3A4"/>
@@ -836,7 +842,7 @@
           <a:p>
             <a:fld id="{F2EA4D5C-DAFE-4B72-AC72-6210DA6A5DE9}" type="slidenum">
               <a:rPr lang="fi-FI" smtClean="0"/>
-              <a:t>26</a:t>
+              <a:t>32</a:t>
             </a:fld>
             <a:endParaRPr lang="fi-FI"/>
           </a:p>
@@ -3159,7 +3165,17 @@
             </a:r>
             <a:r>
               <a:rPr lang="en-US" dirty="0" smtClean="0"/>
-              <a:t> as a service</a:t>
+              <a:t> as a </a:t>
+            </a:r>
+            <a:r>
+              <a:rPr lang="en-US" dirty="0" smtClean="0"/>
+              <a:t>service</a:t>
+            </a:r>
+          </a:p>
+          <a:p>
+            <a:r>
+              <a:rPr lang="en-US" dirty="0" smtClean="0"/>
+              <a:t>Price based on amount and type of cluster nodes</a:t>
             </a:r>
             <a:endParaRPr lang="en-US" dirty="0"/>
           </a:p>
@@ -3277,7 +3293,7 @@
           <a:p>
             <a:r>
               <a:rPr lang="en-US" dirty="0" smtClean="0"/>
-              <a:t>Roles</a:t>
+              <a:t>Accounts</a:t>
             </a:r>
             <a:endParaRPr lang="en-US" dirty="0"/>
           </a:p>
@@ -3295,84 +3311,41 @@
         </p:nvSpPr>
         <p:spPr/>
         <p:txBody>
-          <a:bodyPr>
-            <a:normAutofit fontScale="85000" lnSpcReduction="10000"/>
-          </a:bodyPr>
+          <a:bodyPr/>
           <a:lstStyle/>
           <a:p>
             <a:r>
-              <a:rPr lang="en-US" dirty="0" err="1"/>
-              <a:t>i</a:t>
+              <a:rPr lang="en-US" dirty="0" smtClean="0"/>
+              <a:t>Accounts created per user</a:t>
+            </a:r>
+          </a:p>
+          <a:p>
+            <a:r>
+              <a:rPr lang="en-US" dirty="0" smtClean="0"/>
+              <a:t>Rights limited to services used in this exercise</a:t>
+            </a:r>
+          </a:p>
+          <a:p>
+            <a:r>
+              <a:rPr lang="en-US" dirty="0" smtClean="0"/>
+              <a:t>S3 bucket name must match: </a:t>
             </a:r>
             <a:r>
               <a:rPr lang="en-US" dirty="0" err="1" smtClean="0"/>
-              <a:t>nvocationrole</a:t>
-            </a:r>
-            <a:r>
-              <a:rPr lang="en-US" dirty="0" smtClean="0"/>
-              <a:t>: assumed by S3 when triggering the Lambda function</a:t>
-            </a:r>
-          </a:p>
-          <a:p>
-            <a:pPr lvl="1"/>
-            <a:r>
-              <a:rPr lang="en-US" dirty="0" smtClean="0"/>
-              <a:t>right to call the Lambda</a:t>
-            </a:r>
-          </a:p>
-          <a:p>
+              <a:t>fi.solita.lambda</a:t>
+            </a:r>
+            <a:r>
+              <a:rPr lang="en-US" dirty="0" smtClean="0"/>
+              <a:t>.&lt;</a:t>
+            </a:r>
             <a:r>
               <a:rPr lang="en-US" dirty="0" err="1" smtClean="0"/>
-              <a:t>executionrole</a:t>
-            </a:r>
-            <a:r>
-              <a:rPr lang="en-US" dirty="0" smtClean="0"/>
-              <a:t>: assumed by Lambda when it is executing</a:t>
-            </a:r>
-          </a:p>
-          <a:p>
-            <a:pPr lvl="1"/>
-            <a:r>
-              <a:rPr lang="en-US" dirty="0"/>
-              <a:t>r</a:t>
-            </a:r>
-            <a:r>
-              <a:rPr lang="en-US" dirty="0" smtClean="0"/>
-              <a:t>ight to call used AWS services</a:t>
-            </a:r>
-          </a:p>
-          <a:p>
-            <a:r>
-              <a:rPr lang="en-US" dirty="0" err="1" smtClean="0"/>
-              <a:t>emr</a:t>
-            </a:r>
-            <a:r>
-              <a:rPr lang="en-US" dirty="0" smtClean="0"/>
-              <a:t>-instance-role: assumed by the </a:t>
-            </a:r>
-            <a:r>
-              <a:rPr lang="en-US" dirty="0" err="1" smtClean="0"/>
-              <a:t>Hadoop</a:t>
-            </a:r>
-            <a:r>
-              <a:rPr lang="en-US" dirty="0" smtClean="0"/>
-              <a:t> instances</a:t>
-            </a:r>
-          </a:p>
-          <a:p>
-            <a:r>
-              <a:rPr lang="en-US" dirty="0" err="1" smtClean="0"/>
-              <a:t>emr</a:t>
-            </a:r>
-            <a:r>
-              <a:rPr lang="en-US" dirty="0" smtClean="0"/>
-              <a:t>-service-role: assumed by the Elastic </a:t>
-            </a:r>
-            <a:r>
-              <a:rPr lang="en-US" smtClean="0"/>
-              <a:t>MapReduce</a:t>
-            </a:r>
-            <a:endParaRPr lang="en-US" dirty="0" smtClean="0"/>
+              <a:t>account_username</a:t>
+            </a:r>
+            <a:r>
+              <a:rPr lang="en-US" dirty="0" smtClean="0"/>
+              <a:t>&gt;.*</a:t>
+            </a:r>
           </a:p>
           <a:p>
             <a:endParaRPr lang="en-US" dirty="0"/>
@@ -3382,7 +3355,7 @@
     </p:spTree>
     <p:extLst>
       <p:ext uri="{BB962C8B-B14F-4D97-AF65-F5344CB8AC3E}">
-        <p14:creationId xmlns:p14="http://schemas.microsoft.com/office/powerpoint/2010/main" val="3117151525"/>
+        <p14:creationId xmlns:p14="http://schemas.microsoft.com/office/powerpoint/2010/main" val="3653950015"/>
       </p:ext>
     </p:extLst>
   </p:cSld>
@@ -3416,6 +3389,307 @@
             <a:spLocks noGrp="1"/>
           </p:cNvSpPr>
           <p:nvPr>
+            <p:ph type="title"/>
+          </p:nvPr>
+        </p:nvSpPr>
+        <p:spPr/>
+        <p:txBody>
+          <a:bodyPr/>
+          <a:lstStyle/>
+          <a:p>
+            <a:r>
+              <a:rPr lang="en-US" dirty="0" smtClean="0"/>
+              <a:t>Roles</a:t>
+            </a:r>
+            <a:endParaRPr lang="en-US" dirty="0"/>
+          </a:p>
+        </p:txBody>
+      </p:sp>
+      <p:sp>
+        <p:nvSpPr>
+          <p:cNvPr id="3" name="Content Placeholder 2"/>
+          <p:cNvSpPr>
+            <a:spLocks noGrp="1"/>
+          </p:cNvSpPr>
+          <p:nvPr>
+            <p:ph idx="1"/>
+          </p:nvPr>
+        </p:nvSpPr>
+        <p:spPr/>
+        <p:txBody>
+          <a:bodyPr>
+            <a:normAutofit fontScale="85000" lnSpcReduction="10000"/>
+          </a:bodyPr>
+          <a:lstStyle/>
+          <a:p>
+            <a:r>
+              <a:rPr lang="en-US" dirty="0" err="1"/>
+              <a:t>i</a:t>
+            </a:r>
+            <a:r>
+              <a:rPr lang="en-US" dirty="0" err="1" smtClean="0"/>
+              <a:t>nvocationrole</a:t>
+            </a:r>
+            <a:r>
+              <a:rPr lang="en-US" dirty="0" smtClean="0"/>
+              <a:t>: assumed by S3 when triggering the Lambda function</a:t>
+            </a:r>
+          </a:p>
+          <a:p>
+            <a:pPr lvl="1"/>
+            <a:r>
+              <a:rPr lang="en-US" dirty="0" smtClean="0"/>
+              <a:t>right to call the Lambda</a:t>
+            </a:r>
+          </a:p>
+          <a:p>
+            <a:r>
+              <a:rPr lang="en-US" dirty="0" err="1" smtClean="0"/>
+              <a:t>executionrole</a:t>
+            </a:r>
+            <a:r>
+              <a:rPr lang="en-US" dirty="0" smtClean="0"/>
+              <a:t>: assumed by Lambda when it is executing</a:t>
+            </a:r>
+          </a:p>
+          <a:p>
+            <a:pPr lvl="1"/>
+            <a:r>
+              <a:rPr lang="en-US" dirty="0"/>
+              <a:t>r</a:t>
+            </a:r>
+            <a:r>
+              <a:rPr lang="en-US" dirty="0" smtClean="0"/>
+              <a:t>ight to call used AWS services</a:t>
+            </a:r>
+          </a:p>
+          <a:p>
+            <a:r>
+              <a:rPr lang="en-US" dirty="0" err="1" smtClean="0"/>
+              <a:t>emr</a:t>
+            </a:r>
+            <a:r>
+              <a:rPr lang="en-US" dirty="0" smtClean="0"/>
+              <a:t>-instance-role: assumed by the </a:t>
+            </a:r>
+            <a:r>
+              <a:rPr lang="en-US" dirty="0" err="1" smtClean="0"/>
+              <a:t>Hadoop</a:t>
+            </a:r>
+            <a:r>
+              <a:rPr lang="en-US" dirty="0" smtClean="0"/>
+              <a:t> instances</a:t>
+            </a:r>
+          </a:p>
+          <a:p>
+            <a:r>
+              <a:rPr lang="en-US" dirty="0" err="1" smtClean="0"/>
+              <a:t>emr</a:t>
+            </a:r>
+            <a:r>
+              <a:rPr lang="en-US" dirty="0" smtClean="0"/>
+              <a:t>-service-role: assumed by the Elastic </a:t>
+            </a:r>
+            <a:r>
+              <a:rPr lang="en-US" smtClean="0"/>
+              <a:t>MapReduce</a:t>
+            </a:r>
+            <a:endParaRPr lang="en-US" dirty="0" smtClean="0"/>
+          </a:p>
+          <a:p>
+            <a:endParaRPr lang="en-US" dirty="0"/>
+          </a:p>
+        </p:txBody>
+      </p:sp>
+    </p:spTree>
+    <p:extLst>
+      <p:ext uri="{BB962C8B-B14F-4D97-AF65-F5344CB8AC3E}">
+        <p14:creationId xmlns:p14="http://schemas.microsoft.com/office/powerpoint/2010/main" val="3117151525"/>
+      </p:ext>
+    </p:extLst>
+  </p:cSld>
+  <p:clrMapOvr>
+    <a:masterClrMapping/>
+  </p:clrMapOvr>
+</p:sld>
+</file>
+
+<file path=ppt/slides/slide14.xml><?xml version="1.0" encoding="utf-8"?>
+<p:sld xmlns:a="http://schemas.openxmlformats.org/drawingml/2006/main" xmlns:r="http://schemas.openxmlformats.org/officeDocument/2006/relationships" xmlns:p="http://schemas.openxmlformats.org/presentationml/2006/main">
+  <p:cSld>
+    <p:spTree>
+      <p:nvGrpSpPr>
+        <p:cNvPr id="1" name=""/>
+        <p:cNvGrpSpPr/>
+        <p:nvPr/>
+      </p:nvGrpSpPr>
+      <p:grpSpPr>
+        <a:xfrm>
+          <a:off x="0" y="0"/>
+          <a:ext cx="0" cy="0"/>
+          <a:chOff x="0" y="0"/>
+          <a:chExt cx="0" cy="0"/>
+        </a:xfrm>
+      </p:grpSpPr>
+      <p:sp>
+        <p:nvSpPr>
+          <p:cNvPr id="2" name="Title 1"/>
+          <p:cNvSpPr>
+            <a:spLocks noGrp="1"/>
+          </p:cNvSpPr>
+          <p:nvPr>
+            <p:ph type="ctrTitle"/>
+          </p:nvPr>
+        </p:nvSpPr>
+        <p:spPr/>
+        <p:txBody>
+          <a:bodyPr/>
+          <a:lstStyle/>
+          <a:p>
+            <a:r>
+              <a:rPr lang="en-US" dirty="0" smtClean="0"/>
+              <a:t>AWS Web Console</a:t>
+            </a:r>
+            <a:endParaRPr lang="en-US" dirty="0"/>
+          </a:p>
+        </p:txBody>
+      </p:sp>
+    </p:spTree>
+    <p:extLst>
+      <p:ext uri="{BB962C8B-B14F-4D97-AF65-F5344CB8AC3E}">
+        <p14:creationId xmlns:p14="http://schemas.microsoft.com/office/powerpoint/2010/main" val="1961719771"/>
+      </p:ext>
+    </p:extLst>
+  </p:cSld>
+  <p:clrMapOvr>
+    <a:masterClrMapping/>
+  </p:clrMapOvr>
+  <mc:AlternateContent xmlns:mc="http://schemas.openxmlformats.org/markup-compatibility/2006" xmlns:p14="http://schemas.microsoft.com/office/powerpoint/2010/main">
+    <mc:Choice Requires="p14">
+      <p:transition p14:dur="200">
+        <p:fade/>
+      </p:transition>
+    </mc:Choice>
+    <mc:Fallback xmlns="">
+      <p:transition xmlns:p14="http://schemas.microsoft.com/office/powerpoint/2010/main">
+        <p:fade/>
+      </p:transition>
+    </mc:Fallback>
+  </mc:AlternateContent>
+</p:sld>
+</file>
+
+<file path=ppt/slides/slide15.xml><?xml version="1.0" encoding="utf-8"?>
+<p:sld xmlns:a="http://schemas.openxmlformats.org/drawingml/2006/main" xmlns:r="http://schemas.openxmlformats.org/officeDocument/2006/relationships" xmlns:p="http://schemas.openxmlformats.org/presentationml/2006/main">
+  <p:cSld>
+    <p:spTree>
+      <p:nvGrpSpPr>
+        <p:cNvPr id="1" name=""/>
+        <p:cNvGrpSpPr/>
+        <p:nvPr/>
+      </p:nvGrpSpPr>
+      <p:grpSpPr>
+        <a:xfrm>
+          <a:off x="0" y="0"/>
+          <a:ext cx="0" cy="0"/>
+          <a:chOff x="0" y="0"/>
+          <a:chExt cx="0" cy="0"/>
+        </a:xfrm>
+      </p:grpSpPr>
+      <p:sp>
+        <p:nvSpPr>
+          <p:cNvPr id="2" name="Title 1"/>
+          <p:cNvSpPr>
+            <a:spLocks noGrp="1"/>
+          </p:cNvSpPr>
+          <p:nvPr>
+            <p:ph type="title"/>
+          </p:nvPr>
+        </p:nvSpPr>
+        <p:spPr/>
+        <p:txBody>
+          <a:bodyPr/>
+          <a:lstStyle/>
+          <a:p>
+            <a:r>
+              <a:rPr lang="en-US" dirty="0" smtClean="0"/>
+              <a:t>AWS Web Console</a:t>
+            </a:r>
+            <a:endParaRPr lang="en-US" dirty="0"/>
+          </a:p>
+        </p:txBody>
+      </p:sp>
+      <p:sp>
+        <p:nvSpPr>
+          <p:cNvPr id="3" name="Content Placeholder 2"/>
+          <p:cNvSpPr>
+            <a:spLocks noGrp="1"/>
+          </p:cNvSpPr>
+          <p:nvPr>
+            <p:ph idx="1"/>
+          </p:nvPr>
+        </p:nvSpPr>
+        <p:spPr/>
+        <p:txBody>
+          <a:bodyPr/>
+          <a:lstStyle/>
+          <a:p>
+            <a:r>
+              <a:rPr lang="en-US" dirty="0">
+                <a:hlinkClick r:id="rId2"/>
+              </a:rPr>
+              <a:t>https://739080850666.signin.aws.amazon.com/</a:t>
+            </a:r>
+            <a:r>
+              <a:rPr lang="en-US" dirty="0" smtClean="0">
+                <a:hlinkClick r:id="rId2"/>
+              </a:rPr>
+              <a:t>console</a:t>
+            </a:r>
+            <a:endParaRPr lang="en-US" dirty="0" smtClean="0"/>
+          </a:p>
+          <a:p>
+            <a:endParaRPr lang="en-US" dirty="0"/>
+          </a:p>
+        </p:txBody>
+      </p:sp>
+    </p:spTree>
+    <p:extLst>
+      <p:ext uri="{BB962C8B-B14F-4D97-AF65-F5344CB8AC3E}">
+        <p14:creationId xmlns:p14="http://schemas.microsoft.com/office/powerpoint/2010/main" val="3794002425"/>
+      </p:ext>
+    </p:extLst>
+  </p:cSld>
+  <p:clrMapOvr>
+    <a:masterClrMapping/>
+  </p:clrMapOvr>
+</p:sld>
+</file>
+
+<file path=ppt/slides/slide16.xml><?xml version="1.0" encoding="utf-8"?>
+<p:sld xmlns:a="http://schemas.openxmlformats.org/drawingml/2006/main" xmlns:r="http://schemas.openxmlformats.org/officeDocument/2006/relationships" xmlns:p="http://schemas.openxmlformats.org/presentationml/2006/main">
+  <p:cSld>
+    <p:spTree>
+      <p:nvGrpSpPr>
+        <p:cNvPr id="1" name=""/>
+        <p:cNvGrpSpPr/>
+        <p:nvPr/>
+      </p:nvGrpSpPr>
+      <p:grpSpPr>
+        <a:xfrm>
+          <a:off x="0" y="0"/>
+          <a:ext cx="0" cy="0"/>
+          <a:chOff x="0" y="0"/>
+          <a:chExt cx="0" cy="0"/>
+        </a:xfrm>
+      </p:grpSpPr>
+      <p:sp>
+        <p:nvSpPr>
+          <p:cNvPr id="2" name="Title 1"/>
+          <p:cNvSpPr>
+            <a:spLocks noGrp="1"/>
+          </p:cNvSpPr>
+          <p:nvPr>
             <p:ph type="ctrTitle"/>
           </p:nvPr>
         </p:nvSpPr>
@@ -3457,7 +3731,7 @@
 </p:sld>
 </file>
 
-<file path=ppt/slides/slide14.xml><?xml version="1.0" encoding="utf-8"?>
+<file path=ppt/slides/slide17.xml><?xml version="1.0" encoding="utf-8"?>
 <p:sld xmlns:a="http://schemas.openxmlformats.org/drawingml/2006/main" xmlns:r="http://schemas.openxmlformats.org/officeDocument/2006/relationships" xmlns:p="http://schemas.openxmlformats.org/presentationml/2006/main">
   <p:cSld>
     <p:spTree>
@@ -3536,7 +3810,7 @@
 </p:sld>
 </file>
 
-<file path=ppt/slides/slide15.xml><?xml version="1.0" encoding="utf-8"?>
+<file path=ppt/slides/slide18.xml><?xml version="1.0" encoding="utf-8"?>
 <p:sld xmlns:a="http://schemas.openxmlformats.org/drawingml/2006/main" xmlns:r="http://schemas.openxmlformats.org/officeDocument/2006/relationships" xmlns:p="http://schemas.openxmlformats.org/presentationml/2006/main">
   <p:cSld>
     <p:spTree>
@@ -3607,7 +3881,7 @@
 </p:sld>
 </file>
 
-<file path=ppt/slides/slide16.xml><?xml version="1.0" encoding="utf-8"?>
+<file path=ppt/slides/slide19.xml><?xml version="1.0" encoding="utf-8"?>
 <p:sld xmlns:a="http://schemas.openxmlformats.org/drawingml/2006/main" xmlns:r="http://schemas.openxmlformats.org/officeDocument/2006/relationships" xmlns:p="http://schemas.openxmlformats.org/presentationml/2006/main">
   <p:cSld>
     <p:spTree>
@@ -3788,364 +4062,6 @@
 </p:sld>
 </file>
 
-<file path=ppt/slides/slide17.xml><?xml version="1.0" encoding="utf-8"?>
-<p:sld xmlns:a="http://schemas.openxmlformats.org/drawingml/2006/main" xmlns:r="http://schemas.openxmlformats.org/officeDocument/2006/relationships" xmlns:p="http://schemas.openxmlformats.org/presentationml/2006/main">
-  <p:cSld>
-    <p:spTree>
-      <p:nvGrpSpPr>
-        <p:cNvPr id="1" name=""/>
-        <p:cNvGrpSpPr/>
-        <p:nvPr/>
-      </p:nvGrpSpPr>
-      <p:grpSpPr>
-        <a:xfrm>
-          <a:off x="0" y="0"/>
-          <a:ext cx="0" cy="0"/>
-          <a:chOff x="0" y="0"/>
-          <a:chExt cx="0" cy="0"/>
-        </a:xfrm>
-      </p:grpSpPr>
-      <p:sp>
-        <p:nvSpPr>
-          <p:cNvPr id="2" name="Title 1"/>
-          <p:cNvSpPr>
-            <a:spLocks noGrp="1"/>
-          </p:cNvSpPr>
-          <p:nvPr>
-            <p:ph type="title"/>
-          </p:nvPr>
-        </p:nvSpPr>
-        <p:spPr/>
-        <p:txBody>
-          <a:bodyPr>
-            <a:normAutofit fontScale="90000"/>
-          </a:bodyPr>
-          <a:lstStyle/>
-          <a:p>
-            <a:r>
-              <a:rPr lang="en-US" dirty="0"/>
-              <a:t>2</a:t>
-            </a:r>
-            <a:r>
-              <a:rPr lang="en-US" dirty="0" smtClean="0"/>
-              <a:t>. Creating an S3 bucket and trigger for Lambda function</a:t>
-            </a:r>
-            <a:endParaRPr lang="en-US" dirty="0"/>
-          </a:p>
-        </p:txBody>
-      </p:sp>
-      <p:sp>
-        <p:nvSpPr>
-          <p:cNvPr id="3" name="Content Placeholder 2"/>
-          <p:cNvSpPr>
-            <a:spLocks noGrp="1"/>
-          </p:cNvSpPr>
-          <p:nvPr>
-            <p:ph idx="1"/>
-          </p:nvPr>
-        </p:nvSpPr>
-        <p:spPr/>
-        <p:txBody>
-          <a:bodyPr>
-            <a:normAutofit fontScale="92500" lnSpcReduction="20000"/>
-          </a:bodyPr>
-          <a:lstStyle/>
-          <a:p>
-            <a:r>
-              <a:rPr lang="en-US" dirty="0"/>
-              <a:t>AWS Web Console -&gt; Services -&gt; </a:t>
-            </a:r>
-            <a:r>
-              <a:rPr lang="en-US" dirty="0" smtClean="0"/>
-              <a:t>Storage &amp; Content Delivery -</a:t>
-            </a:r>
-            <a:r>
-              <a:rPr lang="en-US" dirty="0"/>
-              <a:t>&gt; </a:t>
-            </a:r>
-            <a:r>
-              <a:rPr lang="en-US" dirty="0" smtClean="0"/>
-              <a:t>S3</a:t>
-            </a:r>
-          </a:p>
-          <a:p>
-            <a:r>
-              <a:rPr lang="en-US" dirty="0" smtClean="0"/>
-              <a:t>Create Bucket</a:t>
-            </a:r>
-          </a:p>
-          <a:p>
-            <a:pPr lvl="1"/>
-            <a:r>
-              <a:rPr lang="en-US" dirty="0" smtClean="0"/>
-              <a:t>Bucket Name: ‘</a:t>
-            </a:r>
-            <a:r>
-              <a:rPr lang="en-US" dirty="0" err="1" smtClean="0"/>
-              <a:t>fi.solita.lambda</a:t>
-            </a:r>
-            <a:r>
-              <a:rPr lang="en-US" dirty="0" smtClean="0"/>
-              <a:t>.&lt;user&gt;.test</a:t>
-            </a:r>
-          </a:p>
-          <a:p>
-            <a:pPr lvl="1"/>
-            <a:r>
-              <a:rPr lang="en-US" dirty="0" smtClean="0"/>
-              <a:t>Region: Ireland</a:t>
-            </a:r>
-          </a:p>
-          <a:p>
-            <a:pPr lvl="1"/>
-            <a:r>
-              <a:rPr lang="en-US" dirty="0" smtClean="0"/>
-              <a:t>No logging</a:t>
-            </a:r>
-          </a:p>
-          <a:p>
-            <a:r>
-              <a:rPr lang="en-US" dirty="0" smtClean="0"/>
-              <a:t>Create</a:t>
-            </a:r>
-          </a:p>
-          <a:p>
-            <a:r>
-              <a:rPr lang="en-US" dirty="0" smtClean="0"/>
-              <a:t>Click on the bucket name and select Properties</a:t>
-            </a:r>
-          </a:p>
-          <a:p>
-            <a:endParaRPr lang="en-US" dirty="0"/>
-          </a:p>
-        </p:txBody>
-      </p:sp>
-    </p:spTree>
-    <p:extLst>
-      <p:ext uri="{BB962C8B-B14F-4D97-AF65-F5344CB8AC3E}">
-        <p14:creationId xmlns:p14="http://schemas.microsoft.com/office/powerpoint/2010/main" val="3692270521"/>
-      </p:ext>
-    </p:extLst>
-  </p:cSld>
-  <p:clrMapOvr>
-    <a:masterClrMapping/>
-  </p:clrMapOvr>
-  <p:timing>
-    <p:tnLst>
-      <p:par>
-        <p:cTn xmlns:p14="http://schemas.microsoft.com/office/powerpoint/2010/main" id="1" dur="indefinite" restart="never" nodeType="tmRoot"/>
-      </p:par>
-    </p:tnLst>
-  </p:timing>
-</p:sld>
-</file>
-
-<file path=ppt/slides/slide18.xml><?xml version="1.0" encoding="utf-8"?>
-<p:sld xmlns:a="http://schemas.openxmlformats.org/drawingml/2006/main" xmlns:r="http://schemas.openxmlformats.org/officeDocument/2006/relationships" xmlns:p="http://schemas.openxmlformats.org/presentationml/2006/main">
-  <p:cSld>
-    <p:spTree>
-      <p:nvGrpSpPr>
-        <p:cNvPr id="1" name=""/>
-        <p:cNvGrpSpPr/>
-        <p:nvPr/>
-      </p:nvGrpSpPr>
-      <p:grpSpPr>
-        <a:xfrm>
-          <a:off x="0" y="0"/>
-          <a:ext cx="0" cy="0"/>
-          <a:chOff x="0" y="0"/>
-          <a:chExt cx="0" cy="0"/>
-        </a:xfrm>
-      </p:grpSpPr>
-      <p:sp>
-        <p:nvSpPr>
-          <p:cNvPr id="2" name="Title 1"/>
-          <p:cNvSpPr>
-            <a:spLocks noGrp="1"/>
-          </p:cNvSpPr>
-          <p:nvPr>
-            <p:ph type="title"/>
-          </p:nvPr>
-        </p:nvSpPr>
-        <p:spPr/>
-        <p:txBody>
-          <a:bodyPr/>
-          <a:lstStyle/>
-          <a:p>
-            <a:endParaRPr lang="en-US"/>
-          </a:p>
-        </p:txBody>
-      </p:sp>
-      <p:sp>
-        <p:nvSpPr>
-          <p:cNvPr id="3" name="Content Placeholder 2"/>
-          <p:cNvSpPr>
-            <a:spLocks noGrp="1"/>
-          </p:cNvSpPr>
-          <p:nvPr>
-            <p:ph idx="1"/>
-          </p:nvPr>
-        </p:nvSpPr>
-        <p:spPr/>
-        <p:txBody>
-          <a:bodyPr>
-            <a:normAutofit fontScale="92500" lnSpcReduction="10000"/>
-          </a:bodyPr>
-          <a:lstStyle/>
-          <a:p>
-            <a:r>
-              <a:rPr lang="en-US" dirty="0"/>
-              <a:t>Create trigger for the Lambda function under Events</a:t>
-            </a:r>
-          </a:p>
-          <a:p>
-            <a:pPr lvl="1"/>
-            <a:r>
-              <a:rPr lang="en-US" dirty="0"/>
-              <a:t>Name: </a:t>
-            </a:r>
-            <a:r>
-              <a:rPr lang="en-US" dirty="0" err="1"/>
-              <a:t>BucketEventToLambda</a:t>
-            </a:r>
-            <a:endParaRPr lang="en-US" dirty="0"/>
-          </a:p>
-          <a:p>
-            <a:pPr lvl="1"/>
-            <a:r>
-              <a:rPr lang="en-US" dirty="0"/>
-              <a:t>Events: </a:t>
-            </a:r>
-            <a:r>
-              <a:rPr lang="en-US" dirty="0" err="1"/>
-              <a:t>ObjectCreated</a:t>
-            </a:r>
-            <a:endParaRPr lang="en-US" dirty="0"/>
-          </a:p>
-          <a:p>
-            <a:pPr lvl="1"/>
-            <a:r>
-              <a:rPr lang="en-US" dirty="0"/>
-              <a:t>Send To: Lambda function</a:t>
-            </a:r>
-          </a:p>
-          <a:p>
-            <a:pPr lvl="1"/>
-            <a:r>
-              <a:rPr lang="en-US" dirty="0"/>
-              <a:t>Lambda function ARN: &lt;the one from step 1&gt;, e.g. arn:aws:lambda:eu-west-1:739080850666:function:fi-solita-lambda-samion-test</a:t>
-            </a:r>
-          </a:p>
-          <a:p>
-            <a:pPr lvl="1"/>
-            <a:r>
-              <a:rPr lang="en-US" dirty="0"/>
-              <a:t>Invocation role ARN: </a:t>
-            </a:r>
-            <a:r>
-              <a:rPr lang="en-US" dirty="0" err="1"/>
-              <a:t>arn:aws:iam</a:t>
-            </a:r>
-            <a:r>
-              <a:rPr lang="en-US" dirty="0"/>
-              <a:t>::739080850666:role/</a:t>
-            </a:r>
-            <a:r>
-              <a:rPr lang="en-US" dirty="0" err="1"/>
-              <a:t>invocationrole</a:t>
-            </a:r>
-            <a:endParaRPr lang="en-US" dirty="0"/>
-          </a:p>
-          <a:p>
-            <a:endParaRPr lang="en-US" dirty="0"/>
-          </a:p>
-        </p:txBody>
-      </p:sp>
-    </p:spTree>
-    <p:extLst>
-      <p:ext uri="{BB962C8B-B14F-4D97-AF65-F5344CB8AC3E}">
-        <p14:creationId xmlns:p14="http://schemas.microsoft.com/office/powerpoint/2010/main" val="413613339"/>
-      </p:ext>
-    </p:extLst>
-  </p:cSld>
-  <p:clrMapOvr>
-    <a:masterClrMapping/>
-  </p:clrMapOvr>
-  <p:timing>
-    <p:tnLst>
-      <p:par>
-        <p:cTn xmlns:p14="http://schemas.microsoft.com/office/powerpoint/2010/main" id="1" dur="indefinite" restart="never" nodeType="tmRoot"/>
-      </p:par>
-    </p:tnLst>
-  </p:timing>
-</p:sld>
-</file>
-
-<file path=ppt/slides/slide19.xml><?xml version="1.0" encoding="utf-8"?>
-<p:sld xmlns:a="http://schemas.openxmlformats.org/drawingml/2006/main" xmlns:r="http://schemas.openxmlformats.org/officeDocument/2006/relationships" xmlns:p="http://schemas.openxmlformats.org/presentationml/2006/main">
-  <p:cSld>
-    <p:spTree>
-      <p:nvGrpSpPr>
-        <p:cNvPr id="1" name=""/>
-        <p:cNvGrpSpPr/>
-        <p:nvPr/>
-      </p:nvGrpSpPr>
-      <p:grpSpPr>
-        <a:xfrm>
-          <a:off x="0" y="0"/>
-          <a:ext cx="0" cy="0"/>
-          <a:chOff x="0" y="0"/>
-          <a:chExt cx="0" cy="0"/>
-        </a:xfrm>
-      </p:grpSpPr>
-      <p:sp>
-        <p:nvSpPr>
-          <p:cNvPr id="2" name="Title 1"/>
-          <p:cNvSpPr>
-            <a:spLocks noGrp="1"/>
-          </p:cNvSpPr>
-          <p:nvPr>
-            <p:ph type="ctrTitle"/>
-          </p:nvPr>
-        </p:nvSpPr>
-        <p:spPr/>
-        <p:txBody>
-          <a:bodyPr/>
-          <a:lstStyle/>
-          <a:p>
-            <a:r>
-              <a:rPr lang="en-US" dirty="0" smtClean="0"/>
-              <a:t>Demo – analyze log file using EMR</a:t>
-            </a:r>
-            <a:endParaRPr lang="en-US" dirty="0"/>
-          </a:p>
-        </p:txBody>
-      </p:sp>
-    </p:spTree>
-    <p:extLst>
-      <p:ext uri="{BB962C8B-B14F-4D97-AF65-F5344CB8AC3E}">
-        <p14:creationId xmlns:p14="http://schemas.microsoft.com/office/powerpoint/2010/main" val="2912443625"/>
-      </p:ext>
-    </p:extLst>
-  </p:cSld>
-  <p:clrMapOvr>
-    <a:masterClrMapping/>
-  </p:clrMapOvr>
-  <mc:AlternateContent xmlns:mc="http://schemas.openxmlformats.org/markup-compatibility/2006" xmlns:p14="http://schemas.microsoft.com/office/powerpoint/2010/main">
-    <mc:Choice Requires="p14">
-      <p:transition p14:dur="200">
-        <p:fade/>
-      </p:transition>
-    </mc:Choice>
-    <mc:Fallback xmlns="">
-      <p:transition xmlns:p14="http://schemas.microsoft.com/office/powerpoint/2010/main">
-        <p:fade/>
-      </p:transition>
-    </mc:Fallback>
-  </mc:AlternateContent>
-</p:sld>
-</file>
-
 <file path=ppt/slides/slide2.xml><?xml version="1.0" encoding="utf-8"?>
 <p:sld xmlns:a="http://schemas.openxmlformats.org/drawingml/2006/main" xmlns:r="http://schemas.openxmlformats.org/officeDocument/2006/relationships" xmlns:p="http://schemas.openxmlformats.org/presentationml/2006/main">
   <p:cSld>
@@ -4180,9 +4096,44 @@
           <a:p>
             <a:r>
               <a:rPr lang="en-US" dirty="0" smtClean="0"/>
-              <a:t>AWS Lambda</a:t>
-            </a:r>
-            <a:endParaRPr lang="en-US" dirty="0"/>
+              <a:t>AWS </a:t>
+            </a:r>
+            <a:r>
+              <a:rPr lang="en-US" dirty="0" smtClean="0"/>
+              <a:t>Lambda</a:t>
+            </a:r>
+            <a:br>
+              <a:rPr lang="en-US" dirty="0" smtClean="0"/>
+            </a:br>
+            <a:r>
+              <a:rPr lang="en-US" sz="2400" dirty="0" err="1" smtClean="0"/>
+              <a:t>git</a:t>
+            </a:r>
+            <a:r>
+              <a:rPr lang="en-US" sz="2400" dirty="0"/>
+              <a:t> clone https://</a:t>
+            </a:r>
+            <a:r>
+              <a:rPr lang="en-US" sz="2400" dirty="0" err="1"/>
+              <a:t>github.com</a:t>
+            </a:r>
+            <a:r>
+              <a:rPr lang="en-US" sz="2400" dirty="0"/>
+              <a:t>/</a:t>
+            </a:r>
+            <a:r>
+              <a:rPr lang="en-US" sz="2400" dirty="0" err="1"/>
+              <a:t>samion</a:t>
+            </a:r>
+            <a:r>
+              <a:rPr lang="en-US" sz="2400" dirty="0"/>
+              <a:t>/</a:t>
+            </a:r>
+            <a:r>
+              <a:rPr lang="en-US" sz="2400" dirty="0" err="1"/>
+              <a:t>aws-lambda.git</a:t>
+            </a:r>
+            <a:endParaRPr lang="en-US" sz="2400" dirty="0"/>
           </a:p>
         </p:txBody>
       </p:sp>
@@ -4296,6 +4247,632 @@
         </p:nvSpPr>
         <p:spPr/>
         <p:txBody>
+          <a:bodyPr>
+            <a:normAutofit fontScale="90000"/>
+          </a:bodyPr>
+          <a:lstStyle/>
+          <a:p>
+            <a:r>
+              <a:rPr lang="en-US" dirty="0"/>
+              <a:t>2</a:t>
+            </a:r>
+            <a:r>
+              <a:rPr lang="en-US" dirty="0" smtClean="0"/>
+              <a:t>. Creating an S3 bucket and trigger for Lambda function</a:t>
+            </a:r>
+            <a:endParaRPr lang="en-US" dirty="0"/>
+          </a:p>
+        </p:txBody>
+      </p:sp>
+      <p:sp>
+        <p:nvSpPr>
+          <p:cNvPr id="3" name="Content Placeholder 2"/>
+          <p:cNvSpPr>
+            <a:spLocks noGrp="1"/>
+          </p:cNvSpPr>
+          <p:nvPr>
+            <p:ph idx="1"/>
+          </p:nvPr>
+        </p:nvSpPr>
+        <p:spPr/>
+        <p:txBody>
+          <a:bodyPr>
+            <a:normAutofit fontScale="92500" lnSpcReduction="20000"/>
+          </a:bodyPr>
+          <a:lstStyle/>
+          <a:p>
+            <a:r>
+              <a:rPr lang="en-US" dirty="0"/>
+              <a:t>AWS Web Console -&gt; Services -&gt; </a:t>
+            </a:r>
+            <a:r>
+              <a:rPr lang="en-US" dirty="0" smtClean="0"/>
+              <a:t>Storage &amp; Content Delivery -</a:t>
+            </a:r>
+            <a:r>
+              <a:rPr lang="en-US" dirty="0"/>
+              <a:t>&gt; </a:t>
+            </a:r>
+            <a:r>
+              <a:rPr lang="en-US" dirty="0" smtClean="0"/>
+              <a:t>S3</a:t>
+            </a:r>
+          </a:p>
+          <a:p>
+            <a:r>
+              <a:rPr lang="en-US" dirty="0" smtClean="0"/>
+              <a:t>Create Bucket</a:t>
+            </a:r>
+          </a:p>
+          <a:p>
+            <a:pPr lvl="1"/>
+            <a:r>
+              <a:rPr lang="en-US" dirty="0" smtClean="0"/>
+              <a:t>Bucket Name: ‘</a:t>
+            </a:r>
+            <a:r>
+              <a:rPr lang="en-US" dirty="0" err="1" smtClean="0"/>
+              <a:t>fi.solita.lambda</a:t>
+            </a:r>
+            <a:r>
+              <a:rPr lang="en-US" dirty="0" smtClean="0"/>
+              <a:t>.&lt;user&gt;.test</a:t>
+            </a:r>
+          </a:p>
+          <a:p>
+            <a:pPr lvl="1"/>
+            <a:r>
+              <a:rPr lang="en-US" dirty="0" smtClean="0"/>
+              <a:t>Region: Ireland</a:t>
+            </a:r>
+          </a:p>
+          <a:p>
+            <a:pPr lvl="1"/>
+            <a:r>
+              <a:rPr lang="en-US" dirty="0" smtClean="0"/>
+              <a:t>No logging</a:t>
+            </a:r>
+          </a:p>
+          <a:p>
+            <a:r>
+              <a:rPr lang="en-US" dirty="0" smtClean="0"/>
+              <a:t>Create</a:t>
+            </a:r>
+          </a:p>
+          <a:p>
+            <a:r>
+              <a:rPr lang="en-US" dirty="0" smtClean="0"/>
+              <a:t>Click on the bucket name and select Properties</a:t>
+            </a:r>
+          </a:p>
+          <a:p>
+            <a:endParaRPr lang="en-US" dirty="0"/>
+          </a:p>
+        </p:txBody>
+      </p:sp>
+    </p:spTree>
+    <p:extLst>
+      <p:ext uri="{BB962C8B-B14F-4D97-AF65-F5344CB8AC3E}">
+        <p14:creationId xmlns:p14="http://schemas.microsoft.com/office/powerpoint/2010/main" val="3692270521"/>
+      </p:ext>
+    </p:extLst>
+  </p:cSld>
+  <p:clrMapOvr>
+    <a:masterClrMapping/>
+  </p:clrMapOvr>
+  <p:timing>
+    <p:tnLst>
+      <p:par>
+        <p:cTn xmlns:p14="http://schemas.microsoft.com/office/powerpoint/2010/main" id="1" dur="indefinite" restart="never" nodeType="tmRoot"/>
+      </p:par>
+    </p:tnLst>
+  </p:timing>
+</p:sld>
+</file>
+
+<file path=ppt/slides/slide21.xml><?xml version="1.0" encoding="utf-8"?>
+<p:sld xmlns:a="http://schemas.openxmlformats.org/drawingml/2006/main" xmlns:r="http://schemas.openxmlformats.org/officeDocument/2006/relationships" xmlns:p="http://schemas.openxmlformats.org/presentationml/2006/main">
+  <p:cSld>
+    <p:spTree>
+      <p:nvGrpSpPr>
+        <p:cNvPr id="1" name=""/>
+        <p:cNvGrpSpPr/>
+        <p:nvPr/>
+      </p:nvGrpSpPr>
+      <p:grpSpPr>
+        <a:xfrm>
+          <a:off x="0" y="0"/>
+          <a:ext cx="0" cy="0"/>
+          <a:chOff x="0" y="0"/>
+          <a:chExt cx="0" cy="0"/>
+        </a:xfrm>
+      </p:grpSpPr>
+      <p:sp>
+        <p:nvSpPr>
+          <p:cNvPr id="2" name="Title 1"/>
+          <p:cNvSpPr>
+            <a:spLocks noGrp="1"/>
+          </p:cNvSpPr>
+          <p:nvPr>
+            <p:ph type="title"/>
+          </p:nvPr>
+        </p:nvSpPr>
+        <p:spPr/>
+        <p:txBody>
+          <a:bodyPr/>
+          <a:lstStyle/>
+          <a:p>
+            <a:endParaRPr lang="en-US"/>
+          </a:p>
+        </p:txBody>
+      </p:sp>
+      <p:sp>
+        <p:nvSpPr>
+          <p:cNvPr id="3" name="Content Placeholder 2"/>
+          <p:cNvSpPr>
+            <a:spLocks noGrp="1"/>
+          </p:cNvSpPr>
+          <p:nvPr>
+            <p:ph idx="1"/>
+          </p:nvPr>
+        </p:nvSpPr>
+        <p:spPr/>
+        <p:txBody>
+          <a:bodyPr>
+            <a:normAutofit fontScale="92500" lnSpcReduction="10000"/>
+          </a:bodyPr>
+          <a:lstStyle/>
+          <a:p>
+            <a:r>
+              <a:rPr lang="en-US" dirty="0"/>
+              <a:t>Create trigger for the Lambda function under Events</a:t>
+            </a:r>
+          </a:p>
+          <a:p>
+            <a:pPr lvl="1"/>
+            <a:r>
+              <a:rPr lang="en-US" dirty="0"/>
+              <a:t>Name: </a:t>
+            </a:r>
+            <a:r>
+              <a:rPr lang="en-US" dirty="0" err="1"/>
+              <a:t>BucketEventToLambda</a:t>
+            </a:r>
+            <a:endParaRPr lang="en-US" dirty="0"/>
+          </a:p>
+          <a:p>
+            <a:pPr lvl="1"/>
+            <a:r>
+              <a:rPr lang="en-US" dirty="0"/>
+              <a:t>Events: </a:t>
+            </a:r>
+            <a:r>
+              <a:rPr lang="en-US" dirty="0" err="1"/>
+              <a:t>ObjectCreated</a:t>
+            </a:r>
+            <a:endParaRPr lang="en-US" dirty="0"/>
+          </a:p>
+          <a:p>
+            <a:pPr lvl="1"/>
+            <a:r>
+              <a:rPr lang="en-US" dirty="0"/>
+              <a:t>Send To: Lambda function</a:t>
+            </a:r>
+          </a:p>
+          <a:p>
+            <a:pPr lvl="1"/>
+            <a:r>
+              <a:rPr lang="en-US" dirty="0"/>
+              <a:t>Lambda function ARN: &lt;the one from step 1&gt;, e.g. arn:aws:lambda:eu-west-1:739080850666:function:fi-solita-lambda-samion-test</a:t>
+            </a:r>
+          </a:p>
+          <a:p>
+            <a:pPr lvl="1"/>
+            <a:r>
+              <a:rPr lang="en-US" dirty="0"/>
+              <a:t>Invocation role ARN: </a:t>
+            </a:r>
+            <a:r>
+              <a:rPr lang="en-US" dirty="0" err="1"/>
+              <a:t>arn:aws:iam</a:t>
+            </a:r>
+            <a:r>
+              <a:rPr lang="en-US" dirty="0"/>
+              <a:t>::739080850666:role/</a:t>
+            </a:r>
+            <a:r>
+              <a:rPr lang="en-US" dirty="0" err="1"/>
+              <a:t>invocationrole</a:t>
+            </a:r>
+            <a:endParaRPr lang="en-US" dirty="0"/>
+          </a:p>
+          <a:p>
+            <a:endParaRPr lang="en-US" dirty="0"/>
+          </a:p>
+        </p:txBody>
+      </p:sp>
+    </p:spTree>
+    <p:extLst>
+      <p:ext uri="{BB962C8B-B14F-4D97-AF65-F5344CB8AC3E}">
+        <p14:creationId xmlns:p14="http://schemas.microsoft.com/office/powerpoint/2010/main" val="413613339"/>
+      </p:ext>
+    </p:extLst>
+  </p:cSld>
+  <p:clrMapOvr>
+    <a:masterClrMapping/>
+  </p:clrMapOvr>
+  <p:timing>
+    <p:tnLst>
+      <p:par>
+        <p:cTn xmlns:p14="http://schemas.microsoft.com/office/powerpoint/2010/main" id="1" dur="indefinite" restart="never" nodeType="tmRoot"/>
+      </p:par>
+    </p:tnLst>
+  </p:timing>
+</p:sld>
+</file>
+
+<file path=ppt/slides/slide22.xml><?xml version="1.0" encoding="utf-8"?>
+<p:sld xmlns:a="http://schemas.openxmlformats.org/drawingml/2006/main" xmlns:r="http://schemas.openxmlformats.org/officeDocument/2006/relationships" xmlns:p="http://schemas.openxmlformats.org/presentationml/2006/main">
+  <p:cSld>
+    <p:spTree>
+      <p:nvGrpSpPr>
+        <p:cNvPr id="1" name=""/>
+        <p:cNvGrpSpPr/>
+        <p:nvPr/>
+      </p:nvGrpSpPr>
+      <p:grpSpPr>
+        <a:xfrm>
+          <a:off x="0" y="0"/>
+          <a:ext cx="0" cy="0"/>
+          <a:chOff x="0" y="0"/>
+          <a:chExt cx="0" cy="0"/>
+        </a:xfrm>
+      </p:grpSpPr>
+      <p:sp>
+        <p:nvSpPr>
+          <p:cNvPr id="2" name="Title 1"/>
+          <p:cNvSpPr>
+            <a:spLocks noGrp="1"/>
+          </p:cNvSpPr>
+          <p:nvPr>
+            <p:ph type="title"/>
+          </p:nvPr>
+        </p:nvSpPr>
+        <p:spPr/>
+        <p:txBody>
+          <a:bodyPr/>
+          <a:lstStyle/>
+          <a:p>
+            <a:r>
+              <a:rPr lang="en-US" dirty="0" smtClean="0"/>
+              <a:t>Testing</a:t>
+            </a:r>
+            <a:endParaRPr lang="en-US" dirty="0"/>
+          </a:p>
+        </p:txBody>
+      </p:sp>
+      <p:sp>
+        <p:nvSpPr>
+          <p:cNvPr id="3" name="Content Placeholder 2"/>
+          <p:cNvSpPr>
+            <a:spLocks noGrp="1"/>
+          </p:cNvSpPr>
+          <p:nvPr>
+            <p:ph idx="1"/>
+          </p:nvPr>
+        </p:nvSpPr>
+        <p:spPr/>
+        <p:txBody>
+          <a:bodyPr/>
+          <a:lstStyle/>
+          <a:p>
+            <a:r>
+              <a:rPr lang="en-US" dirty="0" smtClean="0"/>
+              <a:t>Upload test-</a:t>
+            </a:r>
+            <a:r>
+              <a:rPr lang="en-US" dirty="0" err="1" smtClean="0"/>
+              <a:t>input.txt</a:t>
+            </a:r>
+            <a:r>
+              <a:rPr lang="en-US" dirty="0" smtClean="0"/>
+              <a:t> to your bucket</a:t>
+            </a:r>
+          </a:p>
+          <a:p>
+            <a:r>
+              <a:rPr lang="en-US" dirty="0" smtClean="0"/>
+              <a:t>Follow the </a:t>
+            </a:r>
+            <a:r>
+              <a:rPr lang="en-US" dirty="0" err="1" smtClean="0"/>
+              <a:t>CloudWatch</a:t>
+            </a:r>
+            <a:r>
+              <a:rPr lang="en-US" dirty="0" smtClean="0"/>
+              <a:t> log files, link available from the Lambda function list page</a:t>
+            </a:r>
+          </a:p>
+        </p:txBody>
+      </p:sp>
+    </p:spTree>
+    <p:extLst>
+      <p:ext uri="{BB962C8B-B14F-4D97-AF65-F5344CB8AC3E}">
+        <p14:creationId xmlns:p14="http://schemas.microsoft.com/office/powerpoint/2010/main" val="2566448691"/>
+      </p:ext>
+    </p:extLst>
+  </p:cSld>
+  <p:clrMapOvr>
+    <a:masterClrMapping/>
+  </p:clrMapOvr>
+</p:sld>
+</file>
+
+<file path=ppt/slides/slide23.xml><?xml version="1.0" encoding="utf-8"?>
+<p:sld xmlns:a="http://schemas.openxmlformats.org/drawingml/2006/main" xmlns:r="http://schemas.openxmlformats.org/officeDocument/2006/relationships" xmlns:p="http://schemas.openxmlformats.org/presentationml/2006/main">
+  <p:cSld>
+    <p:spTree>
+      <p:nvGrpSpPr>
+        <p:cNvPr id="1" name=""/>
+        <p:cNvGrpSpPr/>
+        <p:nvPr/>
+      </p:nvGrpSpPr>
+      <p:grpSpPr>
+        <a:xfrm>
+          <a:off x="0" y="0"/>
+          <a:ext cx="0" cy="0"/>
+          <a:chOff x="0" y="0"/>
+          <a:chExt cx="0" cy="0"/>
+        </a:xfrm>
+      </p:grpSpPr>
+      <p:sp>
+        <p:nvSpPr>
+          <p:cNvPr id="2" name="Title 1"/>
+          <p:cNvSpPr>
+            <a:spLocks noGrp="1"/>
+          </p:cNvSpPr>
+          <p:nvPr>
+            <p:ph type="ctrTitle"/>
+          </p:nvPr>
+        </p:nvSpPr>
+        <p:spPr/>
+        <p:txBody>
+          <a:bodyPr/>
+          <a:lstStyle/>
+          <a:p>
+            <a:r>
+              <a:rPr lang="en-US" dirty="0" smtClean="0"/>
+              <a:t>Exercise part 2: Writing the metadata to </a:t>
+            </a:r>
+            <a:r>
+              <a:rPr lang="en-US" dirty="0" err="1" smtClean="0"/>
+              <a:t>DynamoDB</a:t>
+            </a:r>
+            <a:endParaRPr lang="en-US" dirty="0"/>
+          </a:p>
+        </p:txBody>
+      </p:sp>
+    </p:spTree>
+    <p:extLst>
+      <p:ext uri="{BB962C8B-B14F-4D97-AF65-F5344CB8AC3E}">
+        <p14:creationId xmlns:p14="http://schemas.microsoft.com/office/powerpoint/2010/main" val="3257648749"/>
+      </p:ext>
+    </p:extLst>
+  </p:cSld>
+  <p:clrMapOvr>
+    <a:masterClrMapping/>
+  </p:clrMapOvr>
+  <mc:AlternateContent xmlns:mc="http://schemas.openxmlformats.org/markup-compatibility/2006" xmlns:p14="http://schemas.microsoft.com/office/powerpoint/2010/main">
+    <mc:Choice Requires="p14">
+      <p:transition p14:dur="200">
+        <p:fade/>
+      </p:transition>
+    </mc:Choice>
+    <mc:Fallback xmlns="">
+      <p:transition xmlns:p14="http://schemas.microsoft.com/office/powerpoint/2010/main">
+        <p:fade/>
+      </p:transition>
+    </mc:Fallback>
+  </mc:AlternateContent>
+</p:sld>
+</file>
+
+<file path=ppt/slides/slide24.xml><?xml version="1.0" encoding="utf-8"?>
+<p:sld xmlns:a="http://schemas.openxmlformats.org/drawingml/2006/main" xmlns:r="http://schemas.openxmlformats.org/officeDocument/2006/relationships" xmlns:p="http://schemas.openxmlformats.org/presentationml/2006/main">
+  <p:cSld>
+    <p:spTree>
+      <p:nvGrpSpPr>
+        <p:cNvPr id="1" name=""/>
+        <p:cNvGrpSpPr/>
+        <p:nvPr/>
+      </p:nvGrpSpPr>
+      <p:grpSpPr>
+        <a:xfrm>
+          <a:off x="0" y="0"/>
+          <a:ext cx="0" cy="0"/>
+          <a:chOff x="0" y="0"/>
+          <a:chExt cx="0" cy="0"/>
+        </a:xfrm>
+      </p:grpSpPr>
+      <p:sp>
+        <p:nvSpPr>
+          <p:cNvPr id="2" name="Title 1"/>
+          <p:cNvSpPr>
+            <a:spLocks noGrp="1"/>
+          </p:cNvSpPr>
+          <p:nvPr>
+            <p:ph type="title"/>
+          </p:nvPr>
+        </p:nvSpPr>
+        <p:spPr/>
+        <p:txBody>
+          <a:bodyPr/>
+          <a:lstStyle/>
+          <a:p>
+            <a:r>
+              <a:rPr lang="en-US" dirty="0" err="1" smtClean="0"/>
+              <a:t>DynamoDB</a:t>
+            </a:r>
+            <a:r>
+              <a:rPr lang="en-US" dirty="0" smtClean="0"/>
+              <a:t> usage</a:t>
+            </a:r>
+            <a:endParaRPr lang="en-US" dirty="0"/>
+          </a:p>
+        </p:txBody>
+      </p:sp>
+      <p:sp>
+        <p:nvSpPr>
+          <p:cNvPr id="3" name="Content Placeholder 2"/>
+          <p:cNvSpPr>
+            <a:spLocks noGrp="1"/>
+          </p:cNvSpPr>
+          <p:nvPr>
+            <p:ph idx="1"/>
+          </p:nvPr>
+        </p:nvSpPr>
+        <p:spPr/>
+        <p:txBody>
+          <a:bodyPr/>
+          <a:lstStyle/>
+          <a:p>
+            <a:r>
+              <a:rPr lang="en-US" dirty="0" smtClean="0"/>
+              <a:t>File lambda-exercise-part2.js contains </a:t>
+            </a:r>
+            <a:r>
+              <a:rPr lang="en-US" dirty="0" err="1" smtClean="0"/>
+              <a:t>DynamoDB</a:t>
+            </a:r>
+            <a:r>
+              <a:rPr lang="en-US" dirty="0" smtClean="0"/>
+              <a:t> usage example</a:t>
+            </a:r>
+          </a:p>
+          <a:p>
+            <a:r>
+              <a:rPr lang="en-US" dirty="0" smtClean="0"/>
+              <a:t>Change username </a:t>
+            </a:r>
+            <a:r>
+              <a:rPr lang="en-US" dirty="0" err="1" smtClean="0"/>
+              <a:t>samion</a:t>
+            </a:r>
+            <a:r>
+              <a:rPr lang="en-US" dirty="0" smtClean="0"/>
+              <a:t> to your own</a:t>
+            </a:r>
+            <a:endParaRPr lang="en-US" dirty="0"/>
+          </a:p>
+        </p:txBody>
+      </p:sp>
+    </p:spTree>
+    <p:extLst>
+      <p:ext uri="{BB962C8B-B14F-4D97-AF65-F5344CB8AC3E}">
+        <p14:creationId xmlns:p14="http://schemas.microsoft.com/office/powerpoint/2010/main" val="2653984881"/>
+      </p:ext>
+    </p:extLst>
+  </p:cSld>
+  <p:clrMapOvr>
+    <a:masterClrMapping/>
+  </p:clrMapOvr>
+</p:sld>
+</file>
+
+<file path=ppt/slides/slide25.xml><?xml version="1.0" encoding="utf-8"?>
+<p:sld xmlns:a="http://schemas.openxmlformats.org/drawingml/2006/main" xmlns:r="http://schemas.openxmlformats.org/officeDocument/2006/relationships" xmlns:p="http://schemas.openxmlformats.org/presentationml/2006/main">
+  <p:cSld>
+    <p:spTree>
+      <p:nvGrpSpPr>
+        <p:cNvPr id="1" name=""/>
+        <p:cNvGrpSpPr/>
+        <p:nvPr/>
+      </p:nvGrpSpPr>
+      <p:grpSpPr>
+        <a:xfrm>
+          <a:off x="0" y="0"/>
+          <a:ext cx="0" cy="0"/>
+          <a:chOff x="0" y="0"/>
+          <a:chExt cx="0" cy="0"/>
+        </a:xfrm>
+      </p:grpSpPr>
+      <p:sp>
+        <p:nvSpPr>
+          <p:cNvPr id="2" name="Title 1"/>
+          <p:cNvSpPr>
+            <a:spLocks noGrp="1"/>
+          </p:cNvSpPr>
+          <p:nvPr>
+            <p:ph type="ctrTitle"/>
+          </p:nvPr>
+        </p:nvSpPr>
+        <p:spPr/>
+        <p:txBody>
+          <a:bodyPr/>
+          <a:lstStyle/>
+          <a:p>
+            <a:r>
+              <a:rPr lang="en-US" dirty="0" smtClean="0"/>
+              <a:t>Demo – analyze log file using EMR</a:t>
+            </a:r>
+            <a:endParaRPr lang="en-US" dirty="0"/>
+          </a:p>
+        </p:txBody>
+      </p:sp>
+    </p:spTree>
+    <p:extLst>
+      <p:ext uri="{BB962C8B-B14F-4D97-AF65-F5344CB8AC3E}">
+        <p14:creationId xmlns:p14="http://schemas.microsoft.com/office/powerpoint/2010/main" val="2912443625"/>
+      </p:ext>
+    </p:extLst>
+  </p:cSld>
+  <p:clrMapOvr>
+    <a:masterClrMapping/>
+  </p:clrMapOvr>
+  <mc:AlternateContent xmlns:mc="http://schemas.openxmlformats.org/markup-compatibility/2006" xmlns:p14="http://schemas.microsoft.com/office/powerpoint/2010/main">
+    <mc:Choice Requires="p14">
+      <p:transition p14:dur="200">
+        <p:fade/>
+      </p:transition>
+    </mc:Choice>
+    <mc:Fallback xmlns="">
+      <p:transition xmlns:p14="http://schemas.microsoft.com/office/powerpoint/2010/main">
+        <p:fade/>
+      </p:transition>
+    </mc:Fallback>
+  </mc:AlternateContent>
+</p:sld>
+</file>
+
+<file path=ppt/slides/slide26.xml><?xml version="1.0" encoding="utf-8"?>
+<p:sld xmlns:a="http://schemas.openxmlformats.org/drawingml/2006/main" xmlns:r="http://schemas.openxmlformats.org/officeDocument/2006/relationships" xmlns:p="http://schemas.openxmlformats.org/presentationml/2006/main">
+  <p:cSld>
+    <p:spTree>
+      <p:nvGrpSpPr>
+        <p:cNvPr id="1" name=""/>
+        <p:cNvGrpSpPr/>
+        <p:nvPr/>
+      </p:nvGrpSpPr>
+      <p:grpSpPr>
+        <a:xfrm>
+          <a:off x="0" y="0"/>
+          <a:ext cx="0" cy="0"/>
+          <a:chOff x="0" y="0"/>
+          <a:chExt cx="0" cy="0"/>
+        </a:xfrm>
+      </p:grpSpPr>
+      <p:sp>
+        <p:nvSpPr>
+          <p:cNvPr id="2" name="Title 1"/>
+          <p:cNvSpPr>
+            <a:spLocks noGrp="1"/>
+          </p:cNvSpPr>
+          <p:nvPr>
+            <p:ph type="title"/>
+          </p:nvPr>
+        </p:nvSpPr>
+        <p:spPr/>
+        <p:txBody>
           <a:bodyPr/>
           <a:lstStyle/>
           <a:p>
@@ -4363,7 +4940,7 @@
 </p:sld>
 </file>
 
-<file path=ppt/slides/slide21.xml><?xml version="1.0" encoding="utf-8"?>
+<file path=ppt/slides/slide27.xml><?xml version="1.0" encoding="utf-8"?>
 <p:sld xmlns:a="http://schemas.openxmlformats.org/drawingml/2006/main" xmlns:r="http://schemas.openxmlformats.org/officeDocument/2006/relationships" xmlns:p="http://schemas.openxmlformats.org/presentationml/2006/main">
   <p:cSld>
     <p:spTree>
@@ -4449,7 +5026,7 @@
 </p:sld>
 </file>
 
-<file path=ppt/slides/slide22.xml><?xml version="1.0" encoding="utf-8"?>
+<file path=ppt/slides/slide28.xml><?xml version="1.0" encoding="utf-8"?>
 <p:sld xmlns:a="http://schemas.openxmlformats.org/drawingml/2006/main" xmlns:r="http://schemas.openxmlformats.org/officeDocument/2006/relationships" xmlns:p="http://schemas.openxmlformats.org/presentationml/2006/main">
   <p:cSld>
     <p:spTree>
@@ -4553,7 +5130,7 @@
 </p:sld>
 </file>
 
-<file path=ppt/slides/slide23.xml><?xml version="1.0" encoding="utf-8"?>
+<file path=ppt/slides/slide29.xml><?xml version="1.0" encoding="utf-8"?>
 <p:sld xmlns:a="http://schemas.openxmlformats.org/drawingml/2006/main" xmlns:r="http://schemas.openxmlformats.org/officeDocument/2006/relationships" xmlns:p="http://schemas.openxmlformats.org/presentationml/2006/main">
   <p:cSld>
     <p:spTree>
@@ -4659,7 +5236,7 @@
 </p:sld>
 </file>
 
-<file path=ppt/slides/slide24.xml><?xml version="1.0" encoding="utf-8"?>
+<file path=ppt/slides/slide3.xml><?xml version="1.0" encoding="utf-8"?>
 <p:sld xmlns:a="http://schemas.openxmlformats.org/drawingml/2006/main" xmlns:r="http://schemas.openxmlformats.org/officeDocument/2006/relationships" xmlns:p="http://schemas.openxmlformats.org/presentationml/2006/main">
   <p:cSld>
     <p:spTree>
@@ -4678,7 +5255,7 @@
       </p:grpSpPr>
       <p:sp>
         <p:nvSpPr>
-          <p:cNvPr id="2" name="Title 1"/>
+          <p:cNvPr id="4" name="Title 3"/>
           <p:cNvSpPr>
             <a:spLocks noGrp="1"/>
           </p:cNvSpPr>
@@ -4692,16 +5269,16 @@
           <a:lstStyle/>
           <a:p>
             <a:r>
-              <a:rPr lang="en-US" dirty="0" smtClean="0"/>
-              <a:t>Lambda - output</a:t>
-            </a:r>
-            <a:endParaRPr lang="en-US" dirty="0"/>
-          </a:p>
-        </p:txBody>
-      </p:sp>
-      <p:sp>
-        <p:nvSpPr>
-          <p:cNvPr id="3" name="Content Placeholder 2"/>
+              <a:rPr lang="fi-FI" dirty="0" err="1" smtClean="0"/>
+              <a:t>Contents</a:t>
+            </a:r>
+            <a:endParaRPr lang="fi-FI" dirty="0"/>
+          </a:p>
+        </p:txBody>
+      </p:sp>
+      <p:sp>
+        <p:nvSpPr>
+          <p:cNvPr id="5" name="Content Placeholder 4"/>
           <p:cNvSpPr>
             <a:spLocks noGrp="1"/>
           </p:cNvSpPr>
@@ -4711,53 +5288,275 @@
         </p:nvSpPr>
         <p:spPr/>
         <p:txBody>
-          <a:bodyPr/>
+          <a:bodyPr>
+            <a:normAutofit fontScale="85000" lnSpcReduction="10000"/>
+          </a:bodyPr>
           <a:lstStyle/>
           <a:p>
-            <a:r>
-              <a:rPr lang="en-US" dirty="0" smtClean="0"/>
-              <a:t>This lambda function is triggered by the Elastic </a:t>
-            </a:r>
-            <a:r>
-              <a:rPr lang="en-US" dirty="0" err="1" smtClean="0"/>
-              <a:t>MapReduce</a:t>
-            </a:r>
-            <a:r>
-              <a:rPr lang="en-US" dirty="0" smtClean="0"/>
-              <a:t> output, being written to another bucket</a:t>
-            </a:r>
-          </a:p>
-          <a:p>
-            <a:r>
-              <a:rPr lang="en-US" dirty="0" smtClean="0"/>
-              <a:t>It reads the output file and writes the device names and counts to </a:t>
-            </a:r>
-            <a:r>
-              <a:rPr lang="en-US" dirty="0" err="1" smtClean="0"/>
+            <a:pPr marL="514350" indent="-514350">
+              <a:buFont typeface="+mj-lt"/>
+              <a:buAutoNum type="arabicPeriod"/>
+            </a:pPr>
+            <a:r>
+              <a:rPr lang="fi-FI" dirty="0" smtClean="0"/>
+              <a:t>AWS </a:t>
+            </a:r>
+            <a:r>
+              <a:rPr lang="fi-FI" dirty="0" err="1" smtClean="0"/>
+              <a:t>Lambda</a:t>
+            </a:r>
+            <a:endParaRPr lang="fi-FI" dirty="0" smtClean="0"/>
+          </a:p>
+          <a:p>
+            <a:pPr marL="514350" indent="-514350">
+              <a:buFont typeface="+mj-lt"/>
+              <a:buAutoNum type="arabicPeriod"/>
+            </a:pPr>
+            <a:r>
+              <a:rPr lang="fi-FI" dirty="0" err="1" smtClean="0"/>
+              <a:t>Other</a:t>
+            </a:r>
+            <a:r>
+              <a:rPr lang="fi-FI" dirty="0" smtClean="0"/>
+              <a:t> AWS </a:t>
+            </a:r>
+            <a:r>
+              <a:rPr lang="fi-FI" dirty="0" err="1" smtClean="0"/>
+              <a:t>tools</a:t>
+            </a:r>
+            <a:r>
+              <a:rPr lang="fi-FI" dirty="0" smtClean="0"/>
+              <a:t> </a:t>
+            </a:r>
+            <a:r>
+              <a:rPr lang="fi-FI" dirty="0" err="1" smtClean="0"/>
+              <a:t>used</a:t>
+            </a:r>
+            <a:r>
+              <a:rPr lang="fi-FI" dirty="0" smtClean="0"/>
+              <a:t> in </a:t>
+            </a:r>
+            <a:r>
+              <a:rPr lang="fi-FI" dirty="0" err="1" smtClean="0"/>
+              <a:t>this</a:t>
+            </a:r>
+            <a:r>
+              <a:rPr lang="fi-FI" dirty="0" smtClean="0"/>
+              <a:t> </a:t>
+            </a:r>
+            <a:r>
+              <a:rPr lang="fi-FI" dirty="0" err="1" smtClean="0"/>
+              <a:t>exercise</a:t>
+            </a:r>
+            <a:endParaRPr lang="fi-FI" dirty="0" smtClean="0"/>
+          </a:p>
+          <a:p>
+            <a:pPr marL="514350" indent="-514350">
+              <a:buFont typeface="+mj-lt"/>
+              <a:buAutoNum type="arabicPeriod"/>
+            </a:pPr>
+            <a:r>
+              <a:rPr lang="fi-FI" dirty="0" err="1" smtClean="0"/>
+              <a:t>Accounts</a:t>
+            </a:r>
+            <a:r>
+              <a:rPr lang="fi-FI" dirty="0" smtClean="0"/>
+              <a:t> &amp; </a:t>
+            </a:r>
+            <a:r>
+              <a:rPr lang="fi-FI" dirty="0" err="1" smtClean="0"/>
+              <a:t>Roles</a:t>
+            </a:r>
+            <a:endParaRPr lang="fi-FI" dirty="0" smtClean="0"/>
+          </a:p>
+          <a:p>
+            <a:pPr marL="514350" indent="-514350">
+              <a:buFont typeface="+mj-lt"/>
+              <a:buAutoNum type="arabicPeriod"/>
+            </a:pPr>
+            <a:r>
+              <a:rPr lang="fi-FI" dirty="0" smtClean="0"/>
+              <a:t>AWS Web Console</a:t>
+            </a:r>
+            <a:endParaRPr lang="fi-FI" dirty="0" smtClean="0"/>
+          </a:p>
+          <a:p>
+            <a:pPr marL="514350" indent="-514350">
+              <a:buFont typeface="+mj-lt"/>
+              <a:buAutoNum type="arabicPeriod"/>
+            </a:pPr>
+            <a:r>
+              <a:rPr lang="fi-FI" dirty="0" err="1" smtClean="0"/>
+              <a:t>Exercise</a:t>
+            </a:r>
+            <a:r>
+              <a:rPr lang="fi-FI" dirty="0" smtClean="0"/>
+              <a:t> </a:t>
+            </a:r>
+            <a:r>
+              <a:rPr lang="fi-FI" dirty="0" err="1" smtClean="0"/>
+              <a:t>part</a:t>
+            </a:r>
+            <a:r>
+              <a:rPr lang="fi-FI" dirty="0" smtClean="0"/>
+              <a:t> 1: </a:t>
+            </a:r>
+            <a:r>
+              <a:rPr lang="fi-FI" dirty="0" err="1" smtClean="0"/>
+              <a:t>Analysing</a:t>
+            </a:r>
+            <a:r>
+              <a:rPr lang="fi-FI" dirty="0" smtClean="0"/>
+              <a:t> </a:t>
+            </a:r>
+            <a:r>
+              <a:rPr lang="fi-FI" dirty="0" err="1" smtClean="0"/>
+              <a:t>file</a:t>
+            </a:r>
+            <a:r>
+              <a:rPr lang="fi-FI" dirty="0" smtClean="0"/>
+              <a:t> metadata </a:t>
+            </a:r>
+            <a:r>
+              <a:rPr lang="fi-FI" dirty="0" err="1" smtClean="0"/>
+              <a:t>from</a:t>
+            </a:r>
+            <a:r>
+              <a:rPr lang="fi-FI" dirty="0" smtClean="0"/>
+              <a:t> S3</a:t>
+            </a:r>
+          </a:p>
+          <a:p>
+            <a:pPr marL="514350" indent="-514350">
+              <a:buFont typeface="+mj-lt"/>
+              <a:buAutoNum type="arabicPeriod"/>
+            </a:pPr>
+            <a:r>
+              <a:rPr lang="fi-FI" dirty="0" err="1" smtClean="0"/>
+              <a:t>Exercise</a:t>
+            </a:r>
+            <a:r>
+              <a:rPr lang="fi-FI" dirty="0" smtClean="0"/>
+              <a:t> </a:t>
+            </a:r>
+            <a:r>
+              <a:rPr lang="fi-FI" dirty="0" err="1" smtClean="0"/>
+              <a:t>part</a:t>
+            </a:r>
+            <a:r>
+              <a:rPr lang="fi-FI" dirty="0" smtClean="0"/>
+              <a:t> 2: </a:t>
+            </a:r>
+            <a:r>
+              <a:rPr lang="fi-FI" dirty="0" err="1" smtClean="0"/>
+              <a:t>Writing</a:t>
+            </a:r>
+            <a:r>
+              <a:rPr lang="fi-FI" dirty="0" smtClean="0"/>
+              <a:t> </a:t>
+            </a:r>
+            <a:r>
+              <a:rPr lang="fi-FI" dirty="0" err="1" smtClean="0"/>
+              <a:t>analysis</a:t>
+            </a:r>
+            <a:r>
+              <a:rPr lang="fi-FI" dirty="0" smtClean="0"/>
+              <a:t> </a:t>
+            </a:r>
+            <a:r>
+              <a:rPr lang="fi-FI" dirty="0" err="1" smtClean="0"/>
+              <a:t>result</a:t>
+            </a:r>
+            <a:r>
+              <a:rPr lang="fi-FI" dirty="0" smtClean="0"/>
+              <a:t> to </a:t>
+            </a:r>
+            <a:r>
+              <a:rPr lang="fi-FI" dirty="0" err="1" smtClean="0"/>
               <a:t>DynamoDB</a:t>
             </a:r>
-            <a:r>
-              <a:rPr lang="en-US" dirty="0" smtClean="0"/>
-              <a:t> either item by item or using batches</a:t>
-            </a:r>
-            <a:endParaRPr lang="en-US" dirty="0"/>
+            <a:endParaRPr lang="fi-FI" dirty="0"/>
+          </a:p>
+          <a:p>
+            <a:pPr marL="514350" indent="-514350">
+              <a:buFont typeface="+mj-lt"/>
+              <a:buAutoNum type="arabicPeriod"/>
+            </a:pPr>
+            <a:r>
+              <a:rPr lang="fi-FI" dirty="0" smtClean="0"/>
+              <a:t>Demo: </a:t>
+            </a:r>
+            <a:r>
+              <a:rPr lang="fi-FI" dirty="0" err="1" smtClean="0"/>
+              <a:t>Analyze</a:t>
+            </a:r>
+            <a:r>
+              <a:rPr lang="fi-FI" dirty="0" smtClean="0"/>
+              <a:t> </a:t>
+            </a:r>
+            <a:r>
+              <a:rPr lang="fi-FI" dirty="0" err="1" smtClean="0"/>
+              <a:t>large</a:t>
+            </a:r>
+            <a:r>
+              <a:rPr lang="fi-FI" dirty="0" smtClean="0"/>
+              <a:t> </a:t>
+            </a:r>
+            <a:r>
+              <a:rPr lang="fi-FI" dirty="0" err="1" smtClean="0"/>
+              <a:t>log</a:t>
+            </a:r>
+            <a:r>
+              <a:rPr lang="fi-FI" dirty="0" smtClean="0"/>
+              <a:t> </a:t>
+            </a:r>
+            <a:r>
+              <a:rPr lang="fi-FI" dirty="0" err="1" smtClean="0"/>
+              <a:t>file</a:t>
+            </a:r>
+            <a:r>
+              <a:rPr lang="fi-FI" dirty="0" smtClean="0"/>
+              <a:t> </a:t>
+            </a:r>
+            <a:r>
+              <a:rPr lang="fi-FI" dirty="0" err="1" smtClean="0"/>
+              <a:t>using</a:t>
+            </a:r>
+            <a:r>
+              <a:rPr lang="fi-FI" dirty="0" smtClean="0"/>
+              <a:t> EMR</a:t>
+            </a:r>
+          </a:p>
+          <a:p>
+            <a:pPr marL="514350" indent="-514350">
+              <a:buFont typeface="+mj-lt"/>
+              <a:buAutoNum type="arabicPeriod"/>
+            </a:pPr>
+            <a:endParaRPr lang="fi-FI" dirty="0" smtClean="0"/>
           </a:p>
         </p:txBody>
       </p:sp>
     </p:spTree>
     <p:extLst>
       <p:ext uri="{BB962C8B-B14F-4D97-AF65-F5344CB8AC3E}">
-        <p14:creationId xmlns:p14="http://schemas.microsoft.com/office/powerpoint/2010/main" val="1118515172"/>
+        <p14:creationId xmlns:p14="http://schemas.microsoft.com/office/powerpoint/2010/main" val="1916344013"/>
       </p:ext>
     </p:extLst>
   </p:cSld>
   <p:clrMapOvr>
     <a:masterClrMapping/>
   </p:clrMapOvr>
+  <p:timing>
+    <p:tnLst>
+      <p:par>
+        <p:cTn xmlns:p14="http://schemas.microsoft.com/office/powerpoint/2010/main" id="1" dur="indefinite" restart="never" nodeType="tmRoot"/>
+      </p:par>
+    </p:tnLst>
+  </p:timing>
 </p:sld>
 </file>
 
-<file path=ppt/slides/slide25.xml><?xml version="1.0" encoding="utf-8"?>
+<file path=ppt/slides/slide30.xml><?xml version="1.0" encoding="utf-8"?>
 <p:sld xmlns:a="http://schemas.openxmlformats.org/drawingml/2006/main" xmlns:r="http://schemas.openxmlformats.org/officeDocument/2006/relationships" xmlns:p="http://schemas.openxmlformats.org/presentationml/2006/main">
   <p:cSld>
     <p:spTree>
@@ -4791,6 +5590,104 @@
           <a:p>
             <a:r>
               <a:rPr lang="en-US" dirty="0" smtClean="0"/>
+              <a:t>Lambda - output</a:t>
+            </a:r>
+            <a:endParaRPr lang="en-US" dirty="0"/>
+          </a:p>
+        </p:txBody>
+      </p:sp>
+      <p:sp>
+        <p:nvSpPr>
+          <p:cNvPr id="3" name="Content Placeholder 2"/>
+          <p:cNvSpPr>
+            <a:spLocks noGrp="1"/>
+          </p:cNvSpPr>
+          <p:nvPr>
+            <p:ph idx="1"/>
+          </p:nvPr>
+        </p:nvSpPr>
+        <p:spPr/>
+        <p:txBody>
+          <a:bodyPr/>
+          <a:lstStyle/>
+          <a:p>
+            <a:r>
+              <a:rPr lang="en-US" dirty="0" smtClean="0"/>
+              <a:t>This lambda function is triggered by the Elastic </a:t>
+            </a:r>
+            <a:r>
+              <a:rPr lang="en-US" dirty="0" err="1" smtClean="0"/>
+              <a:t>MapReduce</a:t>
+            </a:r>
+            <a:r>
+              <a:rPr lang="en-US" dirty="0" smtClean="0"/>
+              <a:t> output, being written to another bucket</a:t>
+            </a:r>
+          </a:p>
+          <a:p>
+            <a:r>
+              <a:rPr lang="en-US" dirty="0" smtClean="0"/>
+              <a:t>It reads the output file and writes the device names and counts to </a:t>
+            </a:r>
+            <a:r>
+              <a:rPr lang="en-US" dirty="0" err="1" smtClean="0"/>
+              <a:t>DynamoDB</a:t>
+            </a:r>
+            <a:r>
+              <a:rPr lang="en-US" dirty="0" smtClean="0"/>
+              <a:t> either item by item or using batches</a:t>
+            </a:r>
+            <a:endParaRPr lang="en-US" dirty="0"/>
+          </a:p>
+        </p:txBody>
+      </p:sp>
+    </p:spTree>
+    <p:extLst>
+      <p:ext uri="{BB962C8B-B14F-4D97-AF65-F5344CB8AC3E}">
+        <p14:creationId xmlns:p14="http://schemas.microsoft.com/office/powerpoint/2010/main" val="1118515172"/>
+      </p:ext>
+    </p:extLst>
+  </p:cSld>
+  <p:clrMapOvr>
+    <a:masterClrMapping/>
+  </p:clrMapOvr>
+</p:sld>
+</file>
+
+<file path=ppt/slides/slide31.xml><?xml version="1.0" encoding="utf-8"?>
+<p:sld xmlns:a="http://schemas.openxmlformats.org/drawingml/2006/main" xmlns:r="http://schemas.openxmlformats.org/officeDocument/2006/relationships" xmlns:p="http://schemas.openxmlformats.org/presentationml/2006/main">
+  <p:cSld>
+    <p:spTree>
+      <p:nvGrpSpPr>
+        <p:cNvPr id="1" name=""/>
+        <p:cNvGrpSpPr/>
+        <p:nvPr/>
+      </p:nvGrpSpPr>
+      <p:grpSpPr>
+        <a:xfrm>
+          <a:off x="0" y="0"/>
+          <a:ext cx="0" cy="0"/>
+          <a:chOff x="0" y="0"/>
+          <a:chExt cx="0" cy="0"/>
+        </a:xfrm>
+      </p:grpSpPr>
+      <p:sp>
+        <p:nvSpPr>
+          <p:cNvPr id="2" name="Title 1"/>
+          <p:cNvSpPr>
+            <a:spLocks noGrp="1"/>
+          </p:cNvSpPr>
+          <p:nvPr>
+            <p:ph type="title"/>
+          </p:nvPr>
+        </p:nvSpPr>
+        <p:spPr/>
+        <p:txBody>
+          <a:bodyPr/>
+          <a:lstStyle/>
+          <a:p>
+            <a:r>
+              <a:rPr lang="en-US" dirty="0" smtClean="0"/>
               <a:t>Documentation</a:t>
             </a:r>
             <a:endParaRPr lang="en-US" dirty="0"/>
@@ -4810,7 +5707,7 @@
         <p:spPr/>
         <p:txBody>
           <a:bodyPr>
-            <a:normAutofit fontScale="70000" lnSpcReduction="20000"/>
+            <a:normAutofit fontScale="55000" lnSpcReduction="20000"/>
           </a:bodyPr>
           <a:lstStyle/>
           <a:p>
@@ -4834,98 +5731,140 @@
           </a:p>
           <a:p>
             <a:r>
+              <a:rPr lang="en-US" dirty="0" smtClean="0"/>
+              <a:t>Lambda </a:t>
+            </a:r>
+            <a:r>
               <a:rPr lang="en-US" dirty="0"/>
-              <a:t>S3: </a:t>
+              <a:t>Developer Guide: </a:t>
             </a:r>
             <a:r>
               <a:rPr lang="en-US" dirty="0">
                 <a:hlinkClick r:id="rId3"/>
               </a:rPr>
-              <a:t>http://aws.amazon.com/</a:t>
+              <a:t>http://docs.aws.amazon.com/lambda/latest/dg/lambda-</a:t>
             </a:r>
             <a:r>
               <a:rPr lang="en-US" dirty="0" smtClean="0">
                 <a:hlinkClick r:id="rId3"/>
               </a:rPr>
-              <a:t>s3</a:t>
+              <a:t>dg.pdf</a:t>
             </a:r>
             <a:endParaRPr lang="en-US" dirty="0" smtClean="0"/>
           </a:p>
           <a:p>
             <a:r>
-              <a:rPr lang="en-US" dirty="0" err="1" smtClean="0"/>
-              <a:t>DynamoDB</a:t>
-            </a:r>
-            <a:r>
               <a:rPr lang="en-US" dirty="0"/>
-              <a:t>: </a:t>
+              <a:t>Lambda blogs: </a:t>
             </a:r>
             <a:r>
               <a:rPr lang="en-US" dirty="0">
                 <a:hlinkClick r:id="rId4"/>
               </a:rPr>
-              <a:t>http://aws.amazon.com/</a:t>
+              <a:t>https://aws.amazon.com/blogs/compute/category/aws-lambda</a:t>
             </a:r>
             <a:r>
               <a:rPr lang="en-US" dirty="0" smtClean="0">
                 <a:hlinkClick r:id="rId4"/>
               </a:rPr>
-              <a:t>dynamodb</a:t>
+              <a:t>/</a:t>
             </a:r>
             <a:endParaRPr lang="en-US" dirty="0" smtClean="0"/>
           </a:p>
           <a:p>
             <a:r>
-              <a:rPr lang="en-US" dirty="0" smtClean="0"/>
-              <a:t>EMR: </a:t>
-            </a:r>
-            <a:endParaRPr lang="en-US" dirty="0"/>
-          </a:p>
-          <a:p>
-            <a:r>
-              <a:rPr lang="en-US" dirty="0" err="1" smtClean="0"/>
-              <a:t>Node.js</a:t>
-            </a:r>
-            <a:r>
-              <a:rPr lang="en-US" dirty="0" smtClean="0"/>
-              <a:t> SDK</a:t>
-            </a:r>
-            <a:r>
               <a:rPr lang="en-US" dirty="0"/>
-              <a:t>: </a:t>
+              <a:t>S3: </a:t>
             </a:r>
             <a:r>
               <a:rPr lang="en-US" dirty="0">
                 <a:hlinkClick r:id="rId5"/>
               </a:rPr>
-              <a:t>http://aws.amazon.com/sdk-for-node-</a:t>
+              <a:t>http://aws.amazon.com/</a:t>
             </a:r>
             <a:r>
               <a:rPr lang="en-US" dirty="0" smtClean="0">
                 <a:hlinkClick r:id="rId5"/>
               </a:rPr>
-              <a:t>js</a:t>
+              <a:t>s3</a:t>
             </a:r>
             <a:endParaRPr lang="en-US" dirty="0" smtClean="0"/>
           </a:p>
           <a:p>
             <a:r>
               <a:rPr lang="en-US" dirty="0" err="1" smtClean="0"/>
-              <a:t>Node.js</a:t>
+              <a:t>DynamoDB</a:t>
             </a:r>
             <a:r>
               <a:rPr lang="en-US" dirty="0"/>
-              <a:t> Streaming EMR: </a:t>
+              <a:t>: </a:t>
             </a:r>
             <a:r>
               <a:rPr lang="en-US" dirty="0">
                 <a:hlinkClick r:id="rId6"/>
               </a:rPr>
-              <a:t>http://blogs.aws.amazon.com/bigdata/post/TxVX5RCSD785H6/Node-js-Streaming-MapReduce-with-Amazon-</a:t>
+              <a:t>http://aws.amazon.com/</a:t>
             </a:r>
             <a:r>
               <a:rPr lang="en-US" dirty="0" smtClean="0">
                 <a:hlinkClick r:id="rId6"/>
+              </a:rPr>
+              <a:t>dynamodb</a:t>
+            </a:r>
+            <a:endParaRPr lang="en-US" dirty="0" smtClean="0"/>
+          </a:p>
+          <a:p>
+            <a:r>
+              <a:rPr lang="en-US" dirty="0" smtClean="0"/>
+              <a:t>EMR: </a:t>
+            </a:r>
+            <a:endParaRPr lang="en-US" dirty="0"/>
+          </a:p>
+          <a:p>
+            <a:r>
+              <a:rPr lang="en-US" dirty="0" err="1" smtClean="0"/>
+              <a:t>Node.js</a:t>
+            </a:r>
+            <a:r>
+              <a:rPr lang="en-US" dirty="0" smtClean="0"/>
+              <a:t> SDK</a:t>
+            </a:r>
+            <a:r>
+              <a:rPr lang="en-US" dirty="0"/>
+              <a:t>: </a:t>
+            </a:r>
+            <a:r>
+              <a:rPr lang="en-US" dirty="0">
+                <a:hlinkClick r:id="rId7"/>
+              </a:rPr>
+              <a:t>http://aws.amazon.com/sdk-for-node-</a:t>
+            </a:r>
+            <a:r>
+              <a:rPr lang="en-US" dirty="0" smtClean="0">
+                <a:hlinkClick r:id="rId7"/>
+              </a:rPr>
+              <a:t>js</a:t>
+            </a:r>
+            <a:endParaRPr lang="en-US" dirty="0" smtClean="0"/>
+          </a:p>
+          <a:p>
+            <a:r>
+              <a:rPr lang="en-US" dirty="0" err="1" smtClean="0"/>
+              <a:t>Node.js</a:t>
+            </a:r>
+            <a:r>
+              <a:rPr lang="en-US" dirty="0"/>
+              <a:t> Streaming EMR: </a:t>
+            </a:r>
+            <a:r>
+              <a:rPr lang="en-US" dirty="0">
+                <a:hlinkClick r:id="rId8"/>
+              </a:rPr>
+              <a:t>http://blogs.aws.amazon.com/bigdata/post/TxVX5RCSD785H6/Node-js-Streaming-MapReduce-with-Amazon-</a:t>
+            </a:r>
+            <a:r>
+              <a:rPr lang="en-US" dirty="0" smtClean="0">
+                <a:hlinkClick r:id="rId8"/>
               </a:rPr>
               <a:t>EMR</a:t>
             </a:r>
@@ -4956,7 +5895,7 @@
 </p:sld>
 </file>
 
-<file path=ppt/slides/slide26.xml><?xml version="1.0" encoding="utf-8"?>
+<file path=ppt/slides/slide32.xml><?xml version="1.0" encoding="utf-8"?>
 <p:sld xmlns:a="http://schemas.openxmlformats.org/drawingml/2006/main" xmlns:r="http://schemas.openxmlformats.org/officeDocument/2006/relationships" xmlns:p="http://schemas.openxmlformats.org/presentationml/2006/main">
   <p:cSld>
     <p:spTree>
@@ -5081,321 +6020,6 @@
 </p:sld>
 </file>
 
-<file path=ppt/slides/slide3.xml><?xml version="1.0" encoding="utf-8"?>
-<p:sld xmlns:a="http://schemas.openxmlformats.org/drawingml/2006/main" xmlns:r="http://schemas.openxmlformats.org/officeDocument/2006/relationships" xmlns:p="http://schemas.openxmlformats.org/presentationml/2006/main">
-  <p:cSld>
-    <p:spTree>
-      <p:nvGrpSpPr>
-        <p:cNvPr id="1" name=""/>
-        <p:cNvGrpSpPr/>
-        <p:nvPr/>
-      </p:nvGrpSpPr>
-      <p:grpSpPr>
-        <a:xfrm>
-          <a:off x="0" y="0"/>
-          <a:ext cx="0" cy="0"/>
-          <a:chOff x="0" y="0"/>
-          <a:chExt cx="0" cy="0"/>
-        </a:xfrm>
-      </p:grpSpPr>
-      <p:sp>
-        <p:nvSpPr>
-          <p:cNvPr id="4" name="Title 3"/>
-          <p:cNvSpPr>
-            <a:spLocks noGrp="1"/>
-          </p:cNvSpPr>
-          <p:nvPr>
-            <p:ph type="title"/>
-          </p:nvPr>
-        </p:nvSpPr>
-        <p:spPr/>
-        <p:txBody>
-          <a:bodyPr/>
-          <a:lstStyle/>
-          <a:p>
-            <a:r>
-              <a:rPr lang="fi-FI" dirty="0" smtClean="0"/>
-              <a:t>Agenda </a:t>
-            </a:r>
-            <a:endParaRPr lang="fi-FI" dirty="0"/>
-          </a:p>
-        </p:txBody>
-      </p:sp>
-      <p:sp>
-        <p:nvSpPr>
-          <p:cNvPr id="5" name="Content Placeholder 4"/>
-          <p:cNvSpPr>
-            <a:spLocks noGrp="1"/>
-          </p:cNvSpPr>
-          <p:nvPr>
-            <p:ph idx="1"/>
-          </p:nvPr>
-        </p:nvSpPr>
-        <p:spPr/>
-        <p:txBody>
-          <a:bodyPr>
-            <a:normAutofit fontScale="92500" lnSpcReduction="20000"/>
-          </a:bodyPr>
-          <a:lstStyle/>
-          <a:p>
-            <a:pPr marL="514350" indent="-514350">
-              <a:buFont typeface="+mj-lt"/>
-              <a:buAutoNum type="arabicPeriod"/>
-            </a:pPr>
-            <a:r>
-              <a:rPr lang="fi-FI" dirty="0" smtClean="0"/>
-              <a:t>AWS </a:t>
-            </a:r>
-            <a:r>
-              <a:rPr lang="fi-FI" dirty="0" err="1" smtClean="0"/>
-              <a:t>Lambda</a:t>
-            </a:r>
-            <a:endParaRPr lang="fi-FI" dirty="0" smtClean="0"/>
-          </a:p>
-          <a:p>
-            <a:pPr marL="514350" indent="-514350">
-              <a:buFont typeface="+mj-lt"/>
-              <a:buAutoNum type="arabicPeriod"/>
-            </a:pPr>
-            <a:r>
-              <a:rPr lang="fi-FI" dirty="0" err="1" smtClean="0"/>
-              <a:t>Other</a:t>
-            </a:r>
-            <a:r>
-              <a:rPr lang="fi-FI" dirty="0" smtClean="0"/>
-              <a:t> AWS </a:t>
-            </a:r>
-            <a:r>
-              <a:rPr lang="fi-FI" dirty="0" err="1" smtClean="0"/>
-              <a:t>tools</a:t>
-            </a:r>
-            <a:r>
-              <a:rPr lang="fi-FI" dirty="0" smtClean="0"/>
-              <a:t> </a:t>
-            </a:r>
-            <a:r>
-              <a:rPr lang="fi-FI" dirty="0" err="1" smtClean="0"/>
-              <a:t>used</a:t>
-            </a:r>
-            <a:r>
-              <a:rPr lang="fi-FI" dirty="0" smtClean="0"/>
-              <a:t> in </a:t>
-            </a:r>
-            <a:r>
-              <a:rPr lang="fi-FI" dirty="0" err="1" smtClean="0"/>
-              <a:t>this</a:t>
-            </a:r>
-            <a:r>
-              <a:rPr lang="fi-FI" dirty="0" smtClean="0"/>
-              <a:t> </a:t>
-            </a:r>
-            <a:r>
-              <a:rPr lang="fi-FI" dirty="0" err="1" smtClean="0"/>
-              <a:t>exercise</a:t>
-            </a:r>
-            <a:endParaRPr lang="fi-FI" dirty="0" smtClean="0"/>
-          </a:p>
-          <a:p>
-            <a:pPr marL="514350" indent="-514350">
-              <a:buFont typeface="+mj-lt"/>
-              <a:buAutoNum type="arabicPeriod"/>
-            </a:pPr>
-            <a:r>
-              <a:rPr lang="fi-FI" dirty="0" err="1" smtClean="0"/>
-              <a:t>Accounts</a:t>
-            </a:r>
-            <a:r>
-              <a:rPr lang="fi-FI" dirty="0" smtClean="0"/>
-              <a:t> &amp; </a:t>
-            </a:r>
-            <a:r>
-              <a:rPr lang="fi-FI" dirty="0" err="1" smtClean="0"/>
-              <a:t>Roles</a:t>
-            </a:r>
-            <a:endParaRPr lang="fi-FI" dirty="0" smtClean="0"/>
-          </a:p>
-          <a:p>
-            <a:pPr marL="514350" indent="-514350">
-              <a:buFont typeface="+mj-lt"/>
-              <a:buAutoNum type="arabicPeriod"/>
-            </a:pPr>
-            <a:r>
-              <a:rPr lang="fi-FI" dirty="0" err="1" smtClean="0"/>
-              <a:t>Exercise</a:t>
-            </a:r>
-            <a:r>
-              <a:rPr lang="fi-FI" dirty="0" smtClean="0"/>
-              <a:t> </a:t>
-            </a:r>
-            <a:r>
-              <a:rPr lang="fi-FI" dirty="0" err="1" smtClean="0"/>
-              <a:t>part</a:t>
-            </a:r>
-            <a:r>
-              <a:rPr lang="fi-FI" dirty="0" smtClean="0"/>
-              <a:t> 1: </a:t>
-            </a:r>
-            <a:r>
-              <a:rPr lang="fi-FI" dirty="0" err="1" smtClean="0"/>
-              <a:t>Analysing</a:t>
-            </a:r>
-            <a:r>
-              <a:rPr lang="fi-FI" dirty="0" smtClean="0"/>
-              <a:t> </a:t>
-            </a:r>
-            <a:r>
-              <a:rPr lang="fi-FI" dirty="0" err="1" smtClean="0"/>
-              <a:t>file</a:t>
-            </a:r>
-            <a:r>
-              <a:rPr lang="fi-FI" dirty="0" smtClean="0"/>
-              <a:t> metadata </a:t>
-            </a:r>
-            <a:r>
-              <a:rPr lang="fi-FI" dirty="0" err="1" smtClean="0"/>
-              <a:t>from</a:t>
-            </a:r>
-            <a:r>
-              <a:rPr lang="fi-FI" dirty="0" smtClean="0"/>
-              <a:t> S3</a:t>
-            </a:r>
-            <a:endParaRPr lang="fi-FI" dirty="0" smtClean="0"/>
-          </a:p>
-          <a:p>
-            <a:pPr marL="514350" indent="-514350">
-              <a:buFont typeface="+mj-lt"/>
-              <a:buAutoNum type="arabicPeriod"/>
-            </a:pPr>
-            <a:r>
-              <a:rPr lang="fi-FI" dirty="0" err="1" smtClean="0"/>
-              <a:t>Exercise</a:t>
-            </a:r>
-            <a:r>
-              <a:rPr lang="fi-FI" dirty="0" smtClean="0"/>
-              <a:t> </a:t>
-            </a:r>
-            <a:r>
-              <a:rPr lang="fi-FI" dirty="0" err="1" smtClean="0"/>
-              <a:t>part</a:t>
-            </a:r>
-            <a:r>
-              <a:rPr lang="fi-FI" dirty="0" smtClean="0"/>
-              <a:t> 2: </a:t>
-            </a:r>
-            <a:r>
-              <a:rPr lang="fi-FI" dirty="0" err="1" smtClean="0"/>
-              <a:t>Writing</a:t>
-            </a:r>
-            <a:r>
-              <a:rPr lang="fi-FI" dirty="0" smtClean="0"/>
-              <a:t> </a:t>
-            </a:r>
-            <a:r>
-              <a:rPr lang="fi-FI" dirty="0" err="1" smtClean="0"/>
-              <a:t>analysis</a:t>
-            </a:r>
-            <a:r>
-              <a:rPr lang="fi-FI" dirty="0" smtClean="0"/>
-              <a:t> </a:t>
-            </a:r>
-            <a:r>
-              <a:rPr lang="fi-FI" dirty="0" err="1" smtClean="0"/>
-              <a:t>result</a:t>
-            </a:r>
-            <a:r>
-              <a:rPr lang="fi-FI" dirty="0" smtClean="0"/>
-              <a:t> to </a:t>
-            </a:r>
-            <a:r>
-              <a:rPr lang="fi-FI" dirty="0" err="1" smtClean="0"/>
-              <a:t>DynamoDB</a:t>
-            </a:r>
-            <a:endParaRPr lang="fi-FI" dirty="0"/>
-          </a:p>
-          <a:p>
-            <a:pPr marL="514350" indent="-514350">
-              <a:buFont typeface="+mj-lt"/>
-              <a:buAutoNum type="arabicPeriod"/>
-            </a:pPr>
-            <a:r>
-              <a:rPr lang="fi-FI" dirty="0" smtClean="0"/>
-              <a:t>Demo</a:t>
-            </a:r>
-            <a:r>
-              <a:rPr lang="fi-FI" dirty="0" smtClean="0"/>
-              <a:t>: </a:t>
-            </a:r>
-            <a:r>
-              <a:rPr lang="fi-FI" dirty="0" err="1" smtClean="0"/>
-              <a:t>Analyze</a:t>
-            </a:r>
-            <a:r>
-              <a:rPr lang="fi-FI" dirty="0" smtClean="0"/>
-              <a:t> </a:t>
-            </a:r>
-            <a:r>
-              <a:rPr lang="fi-FI" dirty="0" err="1" smtClean="0"/>
-              <a:t>large</a:t>
-            </a:r>
-            <a:r>
-              <a:rPr lang="fi-FI" dirty="0" smtClean="0"/>
-              <a:t> </a:t>
-            </a:r>
-            <a:r>
-              <a:rPr lang="fi-FI" dirty="0" err="1" smtClean="0"/>
-              <a:t>log</a:t>
-            </a:r>
-            <a:r>
-              <a:rPr lang="fi-FI" dirty="0" smtClean="0"/>
-              <a:t> </a:t>
-            </a:r>
-            <a:r>
-              <a:rPr lang="fi-FI" dirty="0" err="1" smtClean="0"/>
-              <a:t>file</a:t>
-            </a:r>
-            <a:r>
-              <a:rPr lang="fi-FI" dirty="0" smtClean="0"/>
-              <a:t> </a:t>
-            </a:r>
-            <a:r>
-              <a:rPr lang="fi-FI" dirty="0" err="1" smtClean="0"/>
-              <a:t>using</a:t>
-            </a:r>
-            <a:r>
-              <a:rPr lang="fi-FI" dirty="0" smtClean="0"/>
-              <a:t> EMR</a:t>
-            </a:r>
-            <a:endParaRPr lang="fi-FI" dirty="0" smtClean="0"/>
-          </a:p>
-          <a:p>
-            <a:pPr marL="514350" indent="-514350">
-              <a:buFont typeface="+mj-lt"/>
-              <a:buAutoNum type="arabicPeriod"/>
-            </a:pPr>
-            <a:endParaRPr lang="fi-FI" dirty="0" smtClean="0"/>
-          </a:p>
-        </p:txBody>
-      </p:sp>
-    </p:spTree>
-    <p:extLst>
-      <p:ext uri="{BB962C8B-B14F-4D97-AF65-F5344CB8AC3E}">
-        <p14:creationId xmlns:p14="http://schemas.microsoft.com/office/powerpoint/2010/main" val="1916344013"/>
-      </p:ext>
-    </p:extLst>
-  </p:cSld>
-  <p:clrMapOvr>
-    <a:masterClrMapping/>
-  </p:clrMapOvr>
-  <p:timing>
-    <p:tnLst>
-      <p:par>
-        <p:cTn xmlns:p14="http://schemas.microsoft.com/office/powerpoint/2010/main" id="1" dur="indefinite" restart="never" nodeType="tmRoot"/>
-      </p:par>
-    </p:tnLst>
-  </p:timing>
-</p:sld>
-</file>
-
 <file path=ppt/slides/slide4.xml><?xml version="1.0" encoding="utf-8"?>
 <p:sld xmlns:a="http://schemas.openxmlformats.org/drawingml/2006/main" xmlns:r="http://schemas.openxmlformats.org/officeDocument/2006/relationships" xmlns:p="http://schemas.openxmlformats.org/presentationml/2006/main">
   <p:cSld>
@@ -5588,7 +6212,7 @@
         <p:spPr/>
         <p:txBody>
           <a:bodyPr>
-            <a:normAutofit fontScale="77500" lnSpcReduction="20000"/>
+            <a:normAutofit fontScale="62500" lnSpcReduction="20000"/>
           </a:bodyPr>
           <a:lstStyle/>
           <a:p>
@@ -5650,10 +6274,18 @@
             </a:r>
             <a:r>
               <a:rPr lang="en-US" dirty="0" smtClean="0"/>
-              <a:t>-commands and pipe them together</a:t>
-            </a:r>
-          </a:p>
-          <a:p>
+              <a:t>-commands and pipe them </a:t>
+            </a:r>
+            <a:r>
+              <a:rPr lang="en-US" dirty="0" smtClean="0"/>
+              <a:t>together</a:t>
+            </a:r>
+          </a:p>
+          <a:p>
+            <a:r>
+              <a:rPr lang="en-US" dirty="0" smtClean="0"/>
+              <a:t>Price is based on max amount of RAM and duration of the function call</a:t>
+            </a:r>
             <a:endParaRPr lang="en-US" dirty="0" smtClean="0"/>
           </a:p>
         </p:txBody>
@@ -5796,7 +6428,7 @@
         <p:spPr/>
         <p:txBody>
           <a:bodyPr>
-            <a:normAutofit fontScale="92500" lnSpcReduction="20000"/>
+            <a:normAutofit fontScale="85000" lnSpcReduction="20000"/>
           </a:bodyPr>
           <a:lstStyle/>
           <a:p>
@@ -5834,7 +6466,17 @@
           <a:p>
             <a:r>
               <a:rPr lang="en-US" dirty="0" smtClean="0"/>
-              <a:t>Can set triggers for object events</a:t>
+              <a:t>Can set triggers for object </a:t>
+            </a:r>
+            <a:r>
+              <a:rPr lang="en-US" dirty="0" smtClean="0"/>
+              <a:t>events</a:t>
+            </a:r>
+          </a:p>
+          <a:p>
+            <a:r>
+              <a:rPr lang="en-US" dirty="0" smtClean="0"/>
+              <a:t>Price based on used storage space</a:t>
             </a:r>
             <a:endParaRPr lang="en-US" dirty="0"/>
           </a:p>
@@ -5928,8 +6570,19 @@
           <a:p>
             <a:r>
               <a:rPr lang="en-US" dirty="0" smtClean="0"/>
-              <a:t>Document and key-value data models</a:t>
-            </a:r>
+              <a:t>Document and key-value data </a:t>
+            </a:r>
+            <a:r>
+              <a:rPr lang="en-US" dirty="0" smtClean="0"/>
+              <a:t>models</a:t>
+            </a:r>
+          </a:p>
+          <a:p>
+            <a:r>
+              <a:rPr lang="en-US" dirty="0" smtClean="0"/>
+              <a:t>Price is based on the user defined read and write performance values</a:t>
+            </a:r>
+            <a:endParaRPr lang="en-US" dirty="0" smtClean="0"/>
           </a:p>
           <a:p>
             <a:endParaRPr lang="en-US" dirty="0" smtClean="0"/>
